--- a/Carnage.pptx
+++ b/Carnage.pptx
@@ -331,7 +331,7 @@
           <a:p>
             <a:fld id="{C17E2404-85FA-422B-9BDA-4D8CB92278E3}" type="datetimeFigureOut">
               <a:rPr lang="en-IN" smtClean="0"/>
-              <a:t>20-08-2022</a:t>
+              <a:t>27-06-2022</a:t>
             </a:fld>
             <a:endParaRPr lang="en-IN"/>
           </a:p>
@@ -822,7 +822,7 @@
           <a:p>
             <a:fld id="{1D8BD707-D9CF-40AE-B4C6-C98DA3205C09}" type="datetimeFigureOut">
               <a:rPr lang="en-US"/>
-              <a:t>8/20/2022</a:t>
+              <a:t>6/27/2022</a:t>
             </a:fld>
             <a:endParaRPr lang="en-US"/>
           </a:p>
@@ -997,7 +997,7 @@
           <a:p>
             <a:fld id="{1D8BD707-D9CF-40AE-B4C6-C98DA3205C09}" type="datetimeFigureOut">
               <a:rPr lang="en-US"/>
-              <a:t>8/20/2022</a:t>
+              <a:t>6/27/2022</a:t>
             </a:fld>
             <a:endParaRPr lang="en-US"/>
           </a:p>
@@ -1211,7 +1211,7 @@
           <a:p>
             <a:fld id="{1D8BD707-D9CF-40AE-B4C6-C98DA3205C09}" type="datetimeFigureOut">
               <a:rPr lang="en-US"/>
-              <a:t>8/20/2022</a:t>
+              <a:t>6/27/2022</a:t>
             </a:fld>
             <a:endParaRPr lang="en-US"/>
           </a:p>
@@ -1359,7 +1359,7 @@
           <a:p>
             <a:fld id="{1D8BD707-D9CF-40AE-B4C6-C98DA3205C09}" type="datetimeFigureOut">
               <a:rPr lang="en-US"/>
-              <a:t>8/20/2022</a:t>
+              <a:t>6/27/2022</a:t>
             </a:fld>
             <a:endParaRPr lang="en-US"/>
           </a:p>
@@ -1478,7 +1478,7 @@
           <a:p>
             <a:fld id="{1D8BD707-D9CF-40AE-B4C6-C98DA3205C09}" type="datetimeFigureOut">
               <a:rPr lang="en-US"/>
-              <a:t>8/20/2022</a:t>
+              <a:t>6/27/2022</a:t>
             </a:fld>
             <a:endParaRPr lang="en-US"/>
           </a:p>
@@ -3475,7 +3475,7 @@
           <a:p>
             <a:fld id="{1D8BD707-D9CF-40AE-B4C6-C98DA3205C09}" type="datetimeFigureOut">
               <a:rPr lang="en-US"/>
-              <a:t>8/20/2022</a:t>
+              <a:t>6/27/2022</a:t>
             </a:fld>
             <a:endParaRPr lang="en-US"/>
           </a:p>
@@ -3706,8 +3706,8 @@
         </p:nvSpPr>
         <p:spPr>
           <a:xfrm>
-            <a:off x="2971800" y="2171700"/>
-            <a:ext cx="12723899" cy="6503640"/>
+            <a:off x="2971800" y="2353345"/>
+            <a:ext cx="12723899" cy="4656980"/>
           </a:xfrm>
           <a:prstGeom prst="rect">
             <a:avLst/>
@@ -3732,8 +3732,8 @@
               <a:t>Team Name: </a:t>
             </a:r>
             <a:r>
-              <a:rPr lang="en-IN" sz="4000" dirty="0" err="1"/>
-              <a:t>TechXploit</a:t>
+              <a:rPr lang="en-IN" sz="4000" dirty="0"/>
+              <a:t>7Ragnarok7</a:t>
             </a:r>
             <a:r>
               <a:rPr sz="4000" dirty="0"/>
@@ -3770,29 +3770,7 @@
             </a:br>
             <a:r>
               <a:rPr lang="en-IN" sz="4000" dirty="0"/>
-              <a:t>Anurag Mondal (LEAD)</a:t>
-            </a:r>
-            <a:br>
-              <a:rPr lang="en-IN" sz="4000" dirty="0"/>
-            </a:br>
-            <a:r>
-              <a:rPr lang="en-IN" sz="4000" dirty="0" err="1"/>
-              <a:t>Souvik</a:t>
-            </a:r>
-            <a:r>
-              <a:rPr lang="en-IN" sz="4000" dirty="0"/>
-              <a:t> </a:t>
-            </a:r>
-            <a:r>
-              <a:rPr lang="en-IN" sz="4000" dirty="0" err="1"/>
-              <a:t>Pramanik</a:t>
-            </a:r>
-            <a:br>
-              <a:rPr lang="en-IN" sz="4000" dirty="0"/>
-            </a:br>
-            <a:r>
-              <a:rPr lang="en-IN" sz="4000" dirty="0"/>
-              <a:t>Alisha Pravin</a:t>
+              <a:t>Anurag Mondal (SOLO)</a:t>
             </a:r>
             <a:br>
               <a:rPr lang="en-IN" sz="4000" dirty="0"/>
@@ -3809,7 +3787,7 @@
         </p:nvSpPr>
         <p:spPr>
           <a:xfrm>
-            <a:off x="5407342" y="8115300"/>
+            <a:off x="5407342" y="7581900"/>
             <a:ext cx="7473315" cy="1256113"/>
           </a:xfrm>
           <a:prstGeom prst="rect">
@@ -3991,7 +3969,7 @@
           </a:bodyPr>
           <a:lstStyle/>
           <a:p>
-            <a:pPr marL="12700" algn="ctr">
+            <a:pPr marL="12700">
               <a:lnSpc>
                 <a:spcPts val="9610"/>
               </a:lnSpc>
@@ -4005,7 +3983,7 @@
                 <a:ea typeface="Segoe UI Black" panose="020B0A02040204020203" pitchFamily="34" charset="0"/>
                 <a:cs typeface="Verdana"/>
               </a:rPr>
-              <a:t>HACKDAY</a:t>
+              <a:t>DEVBHOOMI</a:t>
             </a:r>
             <a:endParaRPr sz="12000" dirty="0">
               <a:latin typeface="Segoe UI Black" panose="020B0A02040204020203" pitchFamily="34" charset="0"/>
@@ -4107,7 +4085,7 @@
           </a:bodyPr>
           <a:lstStyle/>
           <a:p>
-            <a:pPr marL="12700" algn="ctr">
+            <a:pPr marL="12700">
               <a:lnSpc>
                 <a:spcPts val="9610"/>
               </a:lnSpc>
@@ -4121,9 +4099,9 @@
                 <a:ea typeface="Segoe UI Black" panose="020B0A02040204020203" pitchFamily="34" charset="0"/>
                 <a:cs typeface="Verdana"/>
               </a:rPr>
-              <a:t>HACKDAY</a:t>
-            </a:r>
-            <a:endParaRPr lang="en-IN" sz="12000" dirty="0">
+              <a:t>DEVBHOOMI</a:t>
+            </a:r>
+            <a:endParaRPr sz="12000" dirty="0">
               <a:latin typeface="Segoe UI Black" panose="020B0A02040204020203" pitchFamily="34" charset="0"/>
               <a:ea typeface="Segoe UI Black" panose="020B0A02040204020203" pitchFamily="34" charset="0"/>
               <a:cs typeface="Verdana"/>
@@ -4323,7 +4301,7 @@
           </a:bodyPr>
           <a:lstStyle/>
           <a:p>
-            <a:pPr marL="12700" algn="ctr">
+            <a:pPr marL="12700">
               <a:lnSpc>
                 <a:spcPts val="9610"/>
               </a:lnSpc>
@@ -4337,9 +4315,9 @@
                 <a:ea typeface="Segoe UI Black" panose="020B0A02040204020203" pitchFamily="34" charset="0"/>
                 <a:cs typeface="Verdana"/>
               </a:rPr>
-              <a:t>HACKDAY</a:t>
-            </a:r>
-            <a:endParaRPr lang="en-IN" sz="12000" dirty="0">
+              <a:t>DEVBHOOMI</a:t>
+            </a:r>
+            <a:endParaRPr sz="12000" dirty="0">
               <a:latin typeface="Segoe UI Black" panose="020B0A02040204020203" pitchFamily="34" charset="0"/>
               <a:ea typeface="Segoe UI Black" panose="020B0A02040204020203" pitchFamily="34" charset="0"/>
               <a:cs typeface="Verdana"/>
@@ -4556,7 +4534,7 @@
         <p:spPr>
           <a:xfrm>
             <a:off x="16916400" y="0"/>
-            <a:ext cx="2502865" cy="10097523"/>
+            <a:ext cx="1271758" cy="10097523"/>
           </a:xfrm>
           <a:prstGeom prst="rect">
             <a:avLst/>
@@ -4568,7 +4546,7 @@
           </a:bodyPr>
           <a:lstStyle/>
           <a:p>
-            <a:pPr marL="12700" algn="ctr">
+            <a:pPr marL="12700">
               <a:lnSpc>
                 <a:spcPts val="9610"/>
               </a:lnSpc>
@@ -4582,20 +4560,8 @@
                 <a:ea typeface="Segoe UI Black" panose="020B0A02040204020203" pitchFamily="34" charset="0"/>
                 <a:cs typeface="Verdana"/>
               </a:rPr>
-              <a:t>HACKDAY</a:t>
-            </a:r>
-            <a:endParaRPr lang="en-IN" sz="12000" dirty="0">
-              <a:latin typeface="Segoe UI Black" panose="020B0A02040204020203" pitchFamily="34" charset="0"/>
-              <a:ea typeface="Segoe UI Black" panose="020B0A02040204020203" pitchFamily="34" charset="0"/>
-              <a:cs typeface="Verdana"/>
-            </a:endParaRPr>
-          </a:p>
-          <a:p>
-            <a:pPr marL="12700" algn="ctr">
-              <a:lnSpc>
-                <a:spcPts val="9610"/>
-              </a:lnSpc>
-            </a:pPr>
+              <a:t>DEVBHOOMI</a:t>
+            </a:r>
             <a:endParaRPr sz="12000" dirty="0">
               <a:latin typeface="Segoe UI Black" panose="020B0A02040204020203" pitchFamily="34" charset="0"/>
               <a:ea typeface="Segoe UI Black" panose="020B0A02040204020203" pitchFamily="34" charset="0"/>
@@ -4962,14 +4928,6 @@
 <file path=ppt/slides/slide5.xml><?xml version="1.0" encoding="utf-8"?>
 <p:sld xmlns:a="http://schemas.openxmlformats.org/drawingml/2006/main" xmlns:r="http://schemas.openxmlformats.org/officeDocument/2006/relationships" xmlns:p="http://schemas.openxmlformats.org/presentationml/2006/main">
   <p:cSld>
-    <p:bg>
-      <p:bgPr>
-        <a:solidFill>
-          <a:schemeClr val="bg1"/>
-        </a:solidFill>
-        <a:effectLst/>
-      </p:bgPr>
-    </p:bg>
     <p:spTree>
       <p:nvGrpSpPr>
         <p:cNvPr id="1" name=""/>
@@ -5050,7 +5008,7 @@
           <p:nvPr/>
         </p:nvPicPr>
         <p:blipFill rotWithShape="1">
-          <a:blip r:embed="rId3"/>
+          <a:blip r:embed="rId2"/>
           <a:srcRect l="3244" t="16111" r="2804" b="2524"/>
           <a:stretch/>
         </p:blipFill>
@@ -5210,7 +5168,7 @@
           </a:bodyPr>
           <a:lstStyle/>
           <a:p>
-            <a:pPr marL="12700" algn="ctr">
+            <a:pPr marL="12700">
               <a:lnSpc>
                 <a:spcPts val="9610"/>
               </a:lnSpc>
@@ -5224,9 +5182,9 @@
                 <a:ea typeface="Segoe UI Black" panose="020B0A02040204020203" pitchFamily="34" charset="0"/>
                 <a:cs typeface="Verdana"/>
               </a:rPr>
-              <a:t>HACKDAY</a:t>
-            </a:r>
-            <a:endParaRPr lang="en-IN" sz="12000" dirty="0">
+              <a:t>DEVBHOOMI</a:t>
+            </a:r>
+            <a:endParaRPr sz="12000" dirty="0">
               <a:latin typeface="Segoe UI Black" panose="020B0A02040204020203" pitchFamily="34" charset="0"/>
               <a:ea typeface="Segoe UI Black" panose="020B0A02040204020203" pitchFamily="34" charset="0"/>
               <a:cs typeface="Verdana"/>
@@ -5375,7 +5333,7 @@
     </p:extLst>
   </p:cSld>
   <p:clrMapOvr>
-    <a:overrideClrMapping bg1="lt1" tx1="dk1" bg2="lt2" tx2="dk2" accent1="accent1" accent2="accent2" accent3="accent3" accent4="accent4" accent5="accent5" accent6="accent6" hlink="hlink" folHlink="folHlink"/>
+    <a:masterClrMapping/>
   </p:clrMapOvr>
 </p:sld>
 </file>
@@ -5463,7 +5421,7 @@
           </a:bodyPr>
           <a:lstStyle/>
           <a:p>
-            <a:pPr marL="12700" algn="ctr">
+            <a:pPr marL="12700">
               <a:lnSpc>
                 <a:spcPts val="9610"/>
               </a:lnSpc>
@@ -5477,9 +5435,9 @@
                 <a:ea typeface="Segoe UI Black" panose="020B0A02040204020203" pitchFamily="34" charset="0"/>
                 <a:cs typeface="Verdana"/>
               </a:rPr>
-              <a:t>HACKDAY</a:t>
-            </a:r>
-            <a:endParaRPr lang="en-IN" sz="12000" dirty="0">
+              <a:t>DEVBHOOMI</a:t>
+            </a:r>
+            <a:endParaRPr sz="12000" dirty="0">
               <a:latin typeface="Segoe UI Black" panose="020B0A02040204020203" pitchFamily="34" charset="0"/>
               <a:ea typeface="Segoe UI Black" panose="020B0A02040204020203" pitchFamily="34" charset="0"/>
               <a:cs typeface="Verdana"/>
@@ -6029,7 +5987,7 @@
           </a:bodyPr>
           <a:lstStyle/>
           <a:p>
-            <a:pPr marL="12700" algn="ctr">
+            <a:pPr marL="12700">
               <a:lnSpc>
                 <a:spcPts val="9610"/>
               </a:lnSpc>
@@ -6043,9 +6001,9 @@
                 <a:ea typeface="Segoe UI Black" panose="020B0A02040204020203" pitchFamily="34" charset="0"/>
                 <a:cs typeface="Verdana"/>
               </a:rPr>
-              <a:t>HACKDAY</a:t>
-            </a:r>
-            <a:endParaRPr lang="en-IN" sz="12000" dirty="0">
+              <a:t>DEVBHOOMI</a:t>
+            </a:r>
+            <a:endParaRPr sz="12000" dirty="0">
               <a:latin typeface="Segoe UI Black" panose="020B0A02040204020203" pitchFamily="34" charset="0"/>
               <a:ea typeface="Segoe UI Black" panose="020B0A02040204020203" pitchFamily="34" charset="0"/>
               <a:cs typeface="Verdana"/>
@@ -6298,7 +6256,7 @@
           </a:bodyPr>
           <a:lstStyle/>
           <a:p>
-            <a:pPr marL="12700" algn="ctr">
+            <a:pPr marL="12700">
               <a:lnSpc>
                 <a:spcPts val="9610"/>
               </a:lnSpc>
@@ -6312,8 +6270,16 @@
                 <a:ea typeface="Segoe UI Black" panose="020B0A02040204020203" pitchFamily="34" charset="0"/>
                 <a:cs typeface="Verdana"/>
               </a:rPr>
-              <a:t>HACKDAY</a:t>
-            </a:r>
+              <a:t>DEVBHOOMI</a:t>
+            </a:r>
+            <a:endParaRPr sz="12000" dirty="0">
+              <a:solidFill>
+                <a:srgbClr val="FF0000"/>
+              </a:solidFill>
+              <a:latin typeface="Segoe UI Black" panose="020B0A02040204020203" pitchFamily="34" charset="0"/>
+              <a:ea typeface="Segoe UI Black" panose="020B0A02040204020203" pitchFamily="34" charset="0"/>
+              <a:cs typeface="Verdana"/>
+            </a:endParaRPr>
           </a:p>
         </p:txBody>
       </p:sp>
@@ -7061,47 +7027,4 @@
     </a:ext>
   </a:extLst>
 </a:theme>
-</file>
-
-<file path=ppt/theme/themeOverride1.xml><?xml version="1.0" encoding="utf-8"?>
-<a:themeOverride xmlns:a="http://schemas.openxmlformats.org/drawingml/2006/main">
-  <a:clrScheme name="Office">
-    <a:dk1>
-      <a:sysClr val="windowText" lastClr="000000"/>
-    </a:dk1>
-    <a:lt1>
-      <a:sysClr val="window" lastClr="FFFFFF"/>
-    </a:lt1>
-    <a:dk2>
-      <a:srgbClr val="1F497D"/>
-    </a:dk2>
-    <a:lt2>
-      <a:srgbClr val="EEECE1"/>
-    </a:lt2>
-    <a:accent1>
-      <a:srgbClr val="4F81BD"/>
-    </a:accent1>
-    <a:accent2>
-      <a:srgbClr val="C0504D"/>
-    </a:accent2>
-    <a:accent3>
-      <a:srgbClr val="9BBB59"/>
-    </a:accent3>
-    <a:accent4>
-      <a:srgbClr val="8064A2"/>
-    </a:accent4>
-    <a:accent5>
-      <a:srgbClr val="4BACC6"/>
-    </a:accent5>
-    <a:accent6>
-      <a:srgbClr val="F79646"/>
-    </a:accent6>
-    <a:hlink>
-      <a:srgbClr val="0000FF"/>
-    </a:hlink>
-    <a:folHlink>
-      <a:srgbClr val="800080"/>
-    </a:folHlink>
-  </a:clrScheme>
-</a:themeOverride>
 </file>
--- a/Carnage.pptx
+++ b/Carnage.pptx
@@ -5,17 +5,18 @@
     <p:sldMasterId id="2147483648" r:id="rId1"/>
   </p:sldMasterIdLst>
   <p:notesMasterIdLst>
-    <p:notesMasterId r:id="rId10"/>
+    <p:notesMasterId r:id="rId11"/>
   </p:notesMasterIdLst>
   <p:sldIdLst>
-    <p:sldId id="256" r:id="rId2"/>
+    <p:sldId id="267" r:id="rId2"/>
     <p:sldId id="257" r:id="rId3"/>
     <p:sldId id="258" r:id="rId4"/>
-    <p:sldId id="259" r:id="rId5"/>
+    <p:sldId id="266" r:id="rId5"/>
     <p:sldId id="263" r:id="rId6"/>
-    <p:sldId id="260" r:id="rId7"/>
+    <p:sldId id="268" r:id="rId7"/>
     <p:sldId id="261" r:id="rId8"/>
-    <p:sldId id="262" r:id="rId9"/>
+    <p:sldId id="260" r:id="rId9"/>
+    <p:sldId id="265" r:id="rId10"/>
   </p:sldIdLst>
   <p:sldSz cx="18288000" cy="10287000"/>
   <p:notesSz cx="18288000" cy="10287000"/>
@@ -331,7 +332,7 @@
           <a:p>
             <a:fld id="{C17E2404-85FA-422B-9BDA-4D8CB92278E3}" type="datetimeFigureOut">
               <a:rPr lang="en-IN" smtClean="0"/>
-              <a:t>27-06-2022</a:t>
+              <a:t>11-09-2022</a:t>
             </a:fld>
             <a:endParaRPr lang="en-IN"/>
           </a:p>
@@ -666,14 +667,98 @@
               <a:rPr lang="en-IN" smtClean="0"/>
               <a:t>4</a:t>
             </a:fld>
-            <a:endParaRPr lang="en-IN"/>
+            <a:endParaRPr lang="en-IN" dirty="0"/>
           </a:p>
         </p:txBody>
       </p:sp>
     </p:spTree>
     <p:extLst>
       <p:ext uri="{BB962C8B-B14F-4D97-AF65-F5344CB8AC3E}">
-        <p14:creationId xmlns:p14="http://schemas.microsoft.com/office/powerpoint/2010/main" val="2533497587"/>
+        <p14:creationId xmlns:p14="http://schemas.microsoft.com/office/powerpoint/2010/main" val="2153148112"/>
+      </p:ext>
+    </p:extLst>
+  </p:cSld>
+  <p:clrMapOvr>
+    <a:masterClrMapping/>
+  </p:clrMapOvr>
+</p:notes>
+</file>
+
+<file path=ppt/notesSlides/notesSlide2.xml><?xml version="1.0" encoding="utf-8"?>
+<p:notes xmlns:a="http://schemas.openxmlformats.org/drawingml/2006/main" xmlns:r="http://schemas.openxmlformats.org/officeDocument/2006/relationships" xmlns:p="http://schemas.openxmlformats.org/presentationml/2006/main">
+  <p:cSld>
+    <p:spTree>
+      <p:nvGrpSpPr>
+        <p:cNvPr id="1" name=""/>
+        <p:cNvGrpSpPr/>
+        <p:nvPr/>
+      </p:nvGrpSpPr>
+      <p:grpSpPr>
+        <a:xfrm>
+          <a:off x="0" y="0"/>
+          <a:ext cx="0" cy="0"/>
+          <a:chOff x="0" y="0"/>
+          <a:chExt cx="0" cy="0"/>
+        </a:xfrm>
+      </p:grpSpPr>
+      <p:sp>
+        <p:nvSpPr>
+          <p:cNvPr id="2" name="Slide Image Placeholder 1"/>
+          <p:cNvSpPr>
+            <a:spLocks noGrp="1" noRot="1" noChangeAspect="1"/>
+          </p:cNvSpPr>
+          <p:nvPr>
+            <p:ph type="sldImg"/>
+          </p:nvPr>
+        </p:nvSpPr>
+        <p:spPr/>
+      </p:sp>
+      <p:sp>
+        <p:nvSpPr>
+          <p:cNvPr id="3" name="Notes Placeholder 2"/>
+          <p:cNvSpPr>
+            <a:spLocks noGrp="1"/>
+          </p:cNvSpPr>
+          <p:nvPr>
+            <p:ph type="body" idx="1"/>
+          </p:nvPr>
+        </p:nvSpPr>
+        <p:spPr/>
+        <p:txBody>
+          <a:bodyPr/>
+          <a:lstStyle/>
+          <a:p>
+            <a:endParaRPr lang="en-IN" dirty="0"/>
+          </a:p>
+        </p:txBody>
+      </p:sp>
+      <p:sp>
+        <p:nvSpPr>
+          <p:cNvPr id="4" name="Slide Number Placeholder 3"/>
+          <p:cNvSpPr>
+            <a:spLocks noGrp="1"/>
+          </p:cNvSpPr>
+          <p:nvPr>
+            <p:ph type="sldNum" sz="quarter" idx="5"/>
+          </p:nvPr>
+        </p:nvSpPr>
+        <p:spPr/>
+        <p:txBody>
+          <a:bodyPr/>
+          <a:lstStyle/>
+          <a:p>
+            <a:fld id="{5B247294-F6E3-4D94-82F5-0E339137AFBA}" type="slidenum">
+              <a:rPr lang="en-IN" smtClean="0"/>
+              <a:t>6</a:t>
+            </a:fld>
+            <a:endParaRPr lang="en-IN" dirty="0"/>
+          </a:p>
+        </p:txBody>
+      </p:sp>
+    </p:spTree>
+    <p:extLst>
+      <p:ext uri="{BB962C8B-B14F-4D97-AF65-F5344CB8AC3E}">
+        <p14:creationId xmlns:p14="http://schemas.microsoft.com/office/powerpoint/2010/main" val="2686871591"/>
       </p:ext>
     </p:extLst>
   </p:cSld>
@@ -822,7 +907,7 @@
           <a:p>
             <a:fld id="{1D8BD707-D9CF-40AE-B4C6-C98DA3205C09}" type="datetimeFigureOut">
               <a:rPr lang="en-US"/>
-              <a:t>6/27/2022</a:t>
+              <a:t>9/11/2022</a:t>
             </a:fld>
             <a:endParaRPr lang="en-US"/>
           </a:p>
@@ -997,7 +1082,7 @@
           <a:p>
             <a:fld id="{1D8BD707-D9CF-40AE-B4C6-C98DA3205C09}" type="datetimeFigureOut">
               <a:rPr lang="en-US"/>
-              <a:t>6/27/2022</a:t>
+              <a:t>9/11/2022</a:t>
             </a:fld>
             <a:endParaRPr lang="en-US"/>
           </a:p>
@@ -1211,7 +1296,7 @@
           <a:p>
             <a:fld id="{1D8BD707-D9CF-40AE-B4C6-C98DA3205C09}" type="datetimeFigureOut">
               <a:rPr lang="en-US"/>
-              <a:t>6/27/2022</a:t>
+              <a:t>9/11/2022</a:t>
             </a:fld>
             <a:endParaRPr lang="en-US"/>
           </a:p>
@@ -1359,7 +1444,7 @@
           <a:p>
             <a:fld id="{1D8BD707-D9CF-40AE-B4C6-C98DA3205C09}" type="datetimeFigureOut">
               <a:rPr lang="en-US"/>
-              <a:t>6/27/2022</a:t>
+              <a:t>9/11/2022</a:t>
             </a:fld>
             <a:endParaRPr lang="en-US"/>
           </a:p>
@@ -1478,7 +1563,7 @@
           <a:p>
             <a:fld id="{1D8BD707-D9CF-40AE-B4C6-C98DA3205C09}" type="datetimeFigureOut">
               <a:rPr lang="en-US"/>
-              <a:t>6/27/2022</a:t>
+              <a:t>9/11/2022</a:t>
             </a:fld>
             <a:endParaRPr lang="en-US"/>
           </a:p>
@@ -3475,7 +3560,7 @@
           <a:p>
             <a:fld id="{1D8BD707-D9CF-40AE-B4C6-C98DA3205C09}" type="datetimeFigureOut">
               <a:rPr lang="en-US"/>
-              <a:t>6/27/2022</a:t>
+              <a:t>9/11/2022</a:t>
             </a:fld>
             <a:endParaRPr lang="en-US"/>
           </a:p>
@@ -3706,8 +3791,8 @@
         </p:nvSpPr>
         <p:spPr>
           <a:xfrm>
-            <a:off x="2971800" y="2353345"/>
-            <a:ext cx="12723899" cy="4656980"/>
+            <a:off x="2971800" y="2171700"/>
+            <a:ext cx="12723899" cy="5580310"/>
           </a:xfrm>
           <a:prstGeom prst="rect">
             <a:avLst/>
@@ -3732,8 +3817,8 @@
               <a:t>Team Name: </a:t>
             </a:r>
             <a:r>
-              <a:rPr lang="en-IN" sz="4000" dirty="0"/>
-              <a:t>7Ragnarok7</a:t>
+              <a:rPr lang="en-IN" sz="4000" dirty="0" err="1"/>
+              <a:t>TechXploit</a:t>
             </a:r>
             <a:r>
               <a:rPr sz="4000" dirty="0"/>
@@ -3742,39 +3827,66 @@
             <a:br>
               <a:rPr lang="en-IN" sz="4000" dirty="0"/>
             </a:br>
+            <a:r>
+              <a:rPr lang="en-IN" sz="4000" dirty="0"/>
+              <a:t>M</a:t>
+            </a:r>
+            <a:r>
+              <a:rPr sz="4000" dirty="0"/>
+              <a:t>ember Details</a:t>
+            </a:r>
+            <a:r>
+              <a:rPr lang="en-IN" sz="4000" dirty="0"/>
+              <a:t> </a:t>
+            </a:r>
+            <a:r>
+              <a:rPr sz="4000" dirty="0"/>
+              <a:t>:</a:t>
+            </a:r>
+            <a:r>
+              <a:rPr lang="en-IN" sz="4000" dirty="0"/>
+              <a:t>-</a:t>
+            </a:r>
             <a:br>
               <a:rPr lang="en-IN" sz="4000" dirty="0"/>
             </a:br>
             <a:r>
               <a:rPr lang="en-IN" sz="4000" dirty="0"/>
-              <a:t>M</a:t>
-            </a:r>
-            <a:r>
-              <a:rPr sz="4000" dirty="0"/>
-              <a:t>ember Details</a:t>
-            </a:r>
-            <a:r>
-              <a:rPr lang="en-IN" sz="4000" dirty="0"/>
-              <a:t> </a:t>
-            </a:r>
-            <a:r>
-              <a:rPr sz="4000" dirty="0"/>
-              <a:t>:</a:t>
-            </a:r>
-            <a:r>
-              <a:rPr lang="en-IN" sz="4000" dirty="0"/>
-              <a:t>-</a:t>
+              <a:t>Anurag Mondal (LEAD)</a:t>
             </a:r>
             <a:br>
               <a:rPr lang="en-IN" sz="4000" dirty="0"/>
             </a:br>
             <a:r>
+              <a:rPr lang="en-IN" sz="4000" dirty="0" err="1"/>
+              <a:t>Souvik</a:t>
+            </a:r>
+            <a:r>
               <a:rPr lang="en-IN" sz="4000" dirty="0"/>
-              <a:t>Anurag Mondal (SOLO)</a:t>
+              <a:t> </a:t>
+            </a:r>
+            <a:r>
+              <a:rPr lang="en-IN" sz="4000" dirty="0" err="1"/>
+              <a:t>Pramanik</a:t>
             </a:r>
             <a:br>
               <a:rPr lang="en-IN" sz="4000" dirty="0"/>
             </a:br>
+            <a:r>
+              <a:rPr lang="en-IN" sz="4000" dirty="0"/>
+              <a:t>Alisha Parvin</a:t>
+            </a:r>
+            <a:br>
+              <a:rPr lang="en-IN" sz="4000" dirty="0"/>
+            </a:br>
+            <a:r>
+              <a:rPr lang="en-IN" sz="4000" dirty="0" err="1"/>
+              <a:t>Avinandan</a:t>
+            </a:r>
+            <a:r>
+              <a:rPr lang="en-IN" sz="4000" dirty="0"/>
+              <a:t> Panda</a:t>
+            </a:r>
             <a:endParaRPr sz="4000" dirty="0"/>
           </a:p>
         </p:txBody>
@@ -3787,7 +3899,7 @@
         </p:nvSpPr>
         <p:spPr>
           <a:xfrm>
-            <a:off x="5407342" y="7581900"/>
+            <a:off x="5407342" y="8115300"/>
             <a:ext cx="7473315" cy="1256113"/>
           </a:xfrm>
           <a:prstGeom prst="rect">
@@ -3957,7 +4069,7 @@
         <p:spPr>
           <a:xfrm>
             <a:off x="16916400" y="0"/>
-            <a:ext cx="1271758" cy="10097523"/>
+            <a:ext cx="1231106" cy="10097523"/>
           </a:xfrm>
           <a:prstGeom prst="rect">
             <a:avLst/>
@@ -3969,13 +4081,13 @@
           </a:bodyPr>
           <a:lstStyle/>
           <a:p>
-            <a:pPr marL="12700">
+            <a:pPr marL="12700" algn="ctr">
               <a:lnSpc>
                 <a:spcPts val="9610"/>
               </a:lnSpc>
             </a:pPr>
             <a:r>
-              <a:rPr lang="en-IN" sz="12000" dirty="0">
+              <a:rPr lang="en-IN" sz="10000" dirty="0">
                 <a:solidFill>
                   <a:srgbClr val="FFFFFF"/>
                 </a:solidFill>
@@ -3983,9 +4095,9 @@
                 <a:ea typeface="Segoe UI Black" panose="020B0A02040204020203" pitchFamily="34" charset="0"/>
                 <a:cs typeface="Verdana"/>
               </a:rPr>
-              <a:t>DEVBHOOMI</a:t>
-            </a:r>
-            <a:endParaRPr sz="12000" dirty="0">
+              <a:t>HACKODISHA</a:t>
+            </a:r>
+            <a:endParaRPr sz="10000" dirty="0">
               <a:latin typeface="Segoe UI Black" panose="020B0A02040204020203" pitchFamily="34" charset="0"/>
               <a:ea typeface="Segoe UI Black" panose="020B0A02040204020203" pitchFamily="34" charset="0"/>
               <a:cs typeface="Verdana"/>
@@ -4073,7 +4185,7 @@
         <p:spPr>
           <a:xfrm>
             <a:off x="16916400" y="0"/>
-            <a:ext cx="1271758" cy="10097523"/>
+            <a:ext cx="1231106" cy="10097523"/>
           </a:xfrm>
           <a:prstGeom prst="rect">
             <a:avLst/>
@@ -4085,27 +4197,21 @@
           </a:bodyPr>
           <a:lstStyle/>
           <a:p>
-            <a:pPr marL="12700">
+            <a:pPr marL="12700" algn="ctr">
               <a:lnSpc>
                 <a:spcPts val="9610"/>
               </a:lnSpc>
             </a:pPr>
             <a:r>
-              <a:rPr lang="en-IN" sz="12000" dirty="0">
+              <a:rPr lang="en-IN" sz="10000" dirty="0">
                 <a:solidFill>
                   <a:srgbClr val="FFFFFF"/>
                 </a:solidFill>
                 <a:latin typeface="Segoe UI Black" panose="020B0A02040204020203" pitchFamily="34" charset="0"/>
                 <a:ea typeface="Segoe UI Black" panose="020B0A02040204020203" pitchFamily="34" charset="0"/>
-                <a:cs typeface="Verdana"/>
-              </a:rPr>
-              <a:t>DEVBHOOMI</a:t>
-            </a:r>
-            <a:endParaRPr sz="12000" dirty="0">
-              <a:latin typeface="Segoe UI Black" panose="020B0A02040204020203" pitchFamily="34" charset="0"/>
-              <a:ea typeface="Segoe UI Black" panose="020B0A02040204020203" pitchFamily="34" charset="0"/>
-              <a:cs typeface="Verdana"/>
-            </a:endParaRPr>
+              </a:rPr>
+              <a:t>HACKODISHA</a:t>
+            </a:r>
           </a:p>
         </p:txBody>
       </p:sp>
@@ -4224,8 +4330,8 @@
         </p:nvSpPr>
         <p:spPr>
           <a:xfrm>
-            <a:off x="2743200" y="2095500"/>
-            <a:ext cx="10437899" cy="2380780"/>
+            <a:off x="2743200" y="2019300"/>
+            <a:ext cx="10437899" cy="2196114"/>
           </a:xfrm>
           <a:prstGeom prst="rect">
             <a:avLst/>
@@ -4238,7 +4344,7 @@
           <a:lstStyle/>
           <a:p>
             <a:r>
-              <a:rPr lang="en-IN" sz="7200" i="0" u="none" strike="noStrike" dirty="0">
+              <a:rPr lang="en-IN" sz="6600" i="0" u="none" strike="noStrike" dirty="0">
                 <a:solidFill>
                   <a:srgbClr val="E5645E"/>
                 </a:solidFill>
@@ -4249,7 +4355,7 @@
               <a:t>Approach Details/</a:t>
             </a:r>
             <a:br>
-              <a:rPr lang="en-IN" sz="7200" dirty="0">
+              <a:rPr lang="en-IN" sz="6600" dirty="0">
                 <a:solidFill>
                   <a:srgbClr val="E5645E"/>
                 </a:solidFill>
@@ -4259,7 +4365,7 @@
               </a:rPr>
             </a:br>
             <a:r>
-              <a:rPr lang="en-IN" sz="7200" i="0" u="none" strike="noStrike" dirty="0">
+              <a:rPr lang="en-IN" sz="6600" i="0" u="none" strike="noStrike" dirty="0">
                 <a:solidFill>
                   <a:srgbClr val="E5645E"/>
                 </a:solidFill>
@@ -4269,7 +4375,7 @@
               </a:rPr>
               <a:t>Proposed Solution :</a:t>
             </a:r>
-            <a:endParaRPr lang="en-IN" sz="7200" dirty="0">
+            <a:endParaRPr lang="en-IN" sz="6600" dirty="0">
               <a:solidFill>
                 <a:srgbClr val="E5645E"/>
               </a:solidFill>
@@ -4289,7 +4395,7 @@
         <p:spPr>
           <a:xfrm>
             <a:off x="16916400" y="0"/>
-            <a:ext cx="1271758" cy="10097523"/>
+            <a:ext cx="1231106" cy="10097523"/>
           </a:xfrm>
           <a:prstGeom prst="rect">
             <a:avLst/>
@@ -4301,13 +4407,13 @@
           </a:bodyPr>
           <a:lstStyle/>
           <a:p>
-            <a:pPr marL="12700">
+            <a:pPr marL="12700" algn="ctr">
               <a:lnSpc>
                 <a:spcPts val="9610"/>
               </a:lnSpc>
             </a:pPr>
             <a:r>
-              <a:rPr lang="en-IN" sz="12000" dirty="0">
+              <a:rPr lang="en-IN" sz="10000" dirty="0">
                 <a:solidFill>
                   <a:srgbClr val="FFFFFF"/>
                 </a:solidFill>
@@ -4315,9 +4421,9 @@
                 <a:ea typeface="Segoe UI Black" panose="020B0A02040204020203" pitchFamily="34" charset="0"/>
                 <a:cs typeface="Verdana"/>
               </a:rPr>
-              <a:t>DEVBHOOMI</a:t>
-            </a:r>
-            <a:endParaRPr sz="12000" dirty="0">
+              <a:t>HACKODISHA</a:t>
+            </a:r>
+            <a:endParaRPr lang="en-IN" sz="10000" dirty="0">
               <a:latin typeface="Segoe UI Black" panose="020B0A02040204020203" pitchFamily="34" charset="0"/>
               <a:ea typeface="Segoe UI Black" panose="020B0A02040204020203" pitchFamily="34" charset="0"/>
               <a:cs typeface="Verdana"/>
@@ -4339,7 +4445,7 @@
         </p:nvSpPr>
         <p:spPr>
           <a:xfrm>
-            <a:off x="2552700" y="4838700"/>
+            <a:off x="2552700" y="4610100"/>
             <a:ext cx="13182600" cy="4524315"/>
           </a:xfrm>
           <a:prstGeom prst="rect">
@@ -4492,8 +4598,8 @@
         </p:nvSpPr>
         <p:spPr>
           <a:xfrm>
-            <a:off x="2743200" y="2019300"/>
-            <a:ext cx="10437899" cy="1088118"/>
+            <a:off x="2717800" y="1866900"/>
+            <a:ext cx="11226800" cy="1180451"/>
           </a:xfrm>
           <a:prstGeom prst="rect">
             <a:avLst/>
@@ -4506,15 +4612,27 @@
           <a:lstStyle/>
           <a:p>
             <a:r>
-              <a:rPr lang="en-IN" sz="6000" i="0" u="none" strike="noStrike" dirty="0">
+              <a:rPr lang="en-IN" sz="6600" i="0" u="none" strike="noStrike" dirty="0">
                 <a:solidFill>
                   <a:srgbClr val="E5645E"/>
                 </a:solidFill>
                 <a:effectLst/>
-              </a:rPr>
-              <a:t>USE CASES :</a:t>
-            </a:r>
-            <a:endParaRPr lang="en-IN" sz="6000" dirty="0">
+                <a:latin typeface="Verdana" panose="020B0604030504040204" pitchFamily="34" charset="0"/>
+                <a:ea typeface="Verdana" panose="020B0604030504040204" pitchFamily="34" charset="0"/>
+              </a:rPr>
+              <a:t>Technology Highlights</a:t>
+            </a:r>
+            <a:r>
+              <a:rPr lang="en-IN" sz="6600" dirty="0">
+                <a:solidFill>
+                  <a:srgbClr val="E5645E"/>
+                </a:solidFill>
+                <a:latin typeface="Verdana" panose="020B0604030504040204" pitchFamily="34" charset="0"/>
+                <a:ea typeface="Verdana" panose="020B0604030504040204" pitchFamily="34" charset="0"/>
+              </a:rPr>
+              <a:t> :</a:t>
+            </a:r>
+            <a:endParaRPr lang="en-IN" sz="6600" dirty="0">
               <a:solidFill>
                 <a:srgbClr val="E5645E"/>
               </a:solidFill>
@@ -4534,7 +4652,7 @@
         <p:spPr>
           <a:xfrm>
             <a:off x="16916400" y="0"/>
-            <a:ext cx="1271758" cy="10097523"/>
+            <a:ext cx="1231106" cy="10097523"/>
           </a:xfrm>
           <a:prstGeom prst="rect">
             <a:avLst/>
@@ -4546,36 +4664,30 @@
           </a:bodyPr>
           <a:lstStyle/>
           <a:p>
-            <a:pPr marL="12700">
+            <a:pPr marL="12700" algn="ctr">
               <a:lnSpc>
                 <a:spcPts val="9610"/>
               </a:lnSpc>
             </a:pPr>
             <a:r>
-              <a:rPr lang="en-IN" sz="12000" dirty="0">
+              <a:rPr lang="en-IN" sz="10000" dirty="0">
                 <a:solidFill>
                   <a:srgbClr val="FFFFFF"/>
                 </a:solidFill>
                 <a:latin typeface="Segoe UI Black" panose="020B0A02040204020203" pitchFamily="34" charset="0"/>
                 <a:ea typeface="Segoe UI Black" panose="020B0A02040204020203" pitchFamily="34" charset="0"/>
-                <a:cs typeface="Verdana"/>
-              </a:rPr>
-              <a:t>DEVBHOOMI</a:t>
-            </a:r>
-            <a:endParaRPr sz="12000" dirty="0">
-              <a:latin typeface="Segoe UI Black" panose="020B0A02040204020203" pitchFamily="34" charset="0"/>
-              <a:ea typeface="Segoe UI Black" panose="020B0A02040204020203" pitchFamily="34" charset="0"/>
-              <a:cs typeface="Verdana"/>
-            </a:endParaRPr>
-          </a:p>
-        </p:txBody>
-      </p:sp>
-      <p:sp>
-        <p:nvSpPr>
-          <p:cNvPr id="6" name="TextBox 5">
+              </a:rPr>
+              <a:t>HACKODISHA</a:t>
+            </a:r>
+          </a:p>
+        </p:txBody>
+      </p:sp>
+      <p:sp>
+        <p:nvSpPr>
+          <p:cNvPr id="5" name="TextBox 4">
             <a:extLst>
               <a:ext uri="{FF2B5EF4-FFF2-40B4-BE49-F238E27FC236}">
-                <a16:creationId xmlns:a16="http://schemas.microsoft.com/office/drawing/2014/main" id="{87858D21-D6AD-E807-5C6F-F09157B86559}"/>
+                <a16:creationId xmlns:a16="http://schemas.microsoft.com/office/drawing/2014/main" id="{19F69D0B-BCA3-3666-49B3-0C209C7FB93A}"/>
               </a:ext>
             </a:extLst>
           </p:cNvPr>
@@ -4584,8 +4696,8 @@
         </p:nvSpPr>
         <p:spPr>
           <a:xfrm>
-            <a:off x="2743200" y="3162300"/>
-            <a:ext cx="12801600" cy="6370975"/>
+            <a:off x="2717800" y="3238500"/>
+            <a:ext cx="13182600" cy="7478970"/>
           </a:xfrm>
           <a:prstGeom prst="rect">
             <a:avLst/>
@@ -4593,13 +4705,13 @@
           <a:noFill/>
         </p:spPr>
         <p:txBody>
-          <a:bodyPr wrap="square">
+          <a:bodyPr wrap="square" rtlCol="0">
             <a:spAutoFit/>
           </a:bodyPr>
           <a:lstStyle/>
           <a:p>
             <a:r>
-              <a:rPr lang="en-US" sz="2400" i="1" dirty="0">
+              <a:rPr lang="en-US" sz="2400" b="1" i="1" dirty="0">
                 <a:solidFill>
                   <a:srgbClr val="000000"/>
                 </a:solidFill>
@@ -4607,10 +4719,10 @@
                 <a:latin typeface="Calibri" panose="020F0502020204030204" pitchFamily="34" charset="0"/>
                 <a:ea typeface="Calibri" panose="020F0502020204030204" pitchFamily="34" charset="0"/>
               </a:rPr>
-              <a:t>The use cases of </a:t>
-            </a:r>
-            <a:r>
-              <a:rPr lang="en-US" sz="2400" b="1" i="1" dirty="0">
+              <a:t>Carnage </a:t>
+            </a:r>
+            <a:r>
+              <a:rPr lang="en-US" sz="2400" i="1" dirty="0">
                 <a:solidFill>
                   <a:srgbClr val="000000"/>
                 </a:solidFill>
@@ -4618,304 +4730,248 @@
                 <a:latin typeface="Calibri" panose="020F0502020204030204" pitchFamily="34" charset="0"/>
                 <a:ea typeface="Calibri" panose="020F0502020204030204" pitchFamily="34" charset="0"/>
               </a:rPr>
-              <a:t>CARNAGE </a:t>
+              <a:t>is a one of it’s kind modular and flexible </a:t>
             </a:r>
             <a:r>
               <a:rPr lang="en-US" sz="2400" i="1" dirty="0">
                 <a:solidFill>
                   <a:srgbClr val="000000"/>
                 </a:solidFill>
-                <a:effectLst/>
                 <a:latin typeface="Calibri" panose="020F0502020204030204" pitchFamily="34" charset="0"/>
                 <a:ea typeface="Calibri" panose="020F0502020204030204" pitchFamily="34" charset="0"/>
               </a:rPr>
-              <a:t>are enlisted below:</a:t>
-            </a:r>
-          </a:p>
-          <a:p>
-            <a:pPr marL="285750" indent="-285750">
-              <a:buFont typeface="Arial" panose="020B0604020202020204" pitchFamily="34" charset="0"/>
-              <a:buChar char="•"/>
-            </a:pPr>
-            <a:r>
-              <a:rPr lang="en-US" sz="2400" i="1" dirty="0">
-                <a:solidFill>
-                  <a:srgbClr val="000000"/>
-                </a:solidFill>
-                <a:effectLst/>
-                <a:latin typeface="Calibri" panose="020F0502020204030204" pitchFamily="34" charset="0"/>
-                <a:ea typeface="Calibri" panose="020F0502020204030204" pitchFamily="34" charset="0"/>
-              </a:rPr>
-              <a:t>It tries to scan a target IP, target domain or range of IP’s and find services that are running and listening on some ports.</a:t>
-            </a:r>
-          </a:p>
-          <a:p>
-            <a:pPr marL="285750" indent="-285750">
-              <a:buFont typeface="Arial" panose="020B0604020202020204" pitchFamily="34" charset="0"/>
-              <a:buChar char="•"/>
-            </a:pPr>
-            <a:r>
-              <a:rPr lang="en-US" sz="2400" i="1" dirty="0">
-                <a:solidFill>
-                  <a:srgbClr val="000000"/>
-                </a:solidFill>
-                <a:effectLst/>
-                <a:latin typeface="Calibri" panose="020F0502020204030204" pitchFamily="34" charset="0"/>
-                <a:ea typeface="Calibri" panose="020F0502020204030204" pitchFamily="34" charset="0"/>
-              </a:rPr>
-              <a:t>It can also scan a range of hosts to find live hosts.</a:t>
-            </a:r>
-          </a:p>
-          <a:p>
-            <a:pPr marL="285750" indent="-285750">
-              <a:buFont typeface="Arial" panose="020B0604020202020204" pitchFamily="34" charset="0"/>
-              <a:buChar char="•"/>
-            </a:pPr>
-            <a:r>
-              <a:rPr lang="en-US" sz="2400" i="1" dirty="0">
-                <a:solidFill>
-                  <a:srgbClr val="000000"/>
-                </a:solidFill>
-                <a:effectLst/>
-                <a:latin typeface="Calibri" panose="020F0502020204030204" pitchFamily="34" charset="0"/>
-                <a:ea typeface="Calibri" panose="020F0502020204030204" pitchFamily="34" charset="0"/>
-              </a:rPr>
-              <a:t>It performs both DNS and </a:t>
-            </a:r>
-            <a:r>
-              <a:rPr lang="en-US" sz="2400" i="1" dirty="0" err="1">
-                <a:solidFill>
-                  <a:srgbClr val="000000"/>
-                </a:solidFill>
-                <a:effectLst/>
-                <a:latin typeface="Calibri" panose="020F0502020204030204" pitchFamily="34" charset="0"/>
-                <a:ea typeface="Calibri" panose="020F0502020204030204" pitchFamily="34" charset="0"/>
-              </a:rPr>
-              <a:t>rDNS</a:t>
-            </a:r>
-            <a:r>
-              <a:rPr lang="en-US" sz="2400" i="1" dirty="0">
-                <a:solidFill>
-                  <a:srgbClr val="000000"/>
-                </a:solidFill>
-                <a:effectLst/>
-                <a:latin typeface="Calibri" panose="020F0502020204030204" pitchFamily="34" charset="0"/>
-                <a:ea typeface="Calibri" panose="020F0502020204030204" pitchFamily="34" charset="0"/>
-              </a:rPr>
-              <a:t> lookup of any domain names.</a:t>
-            </a:r>
-          </a:p>
-          <a:p>
-            <a:pPr marL="285750" indent="-285750">
-              <a:buFont typeface="Arial" panose="020B0604020202020204" pitchFamily="34" charset="0"/>
-              <a:buChar char="•"/>
-            </a:pPr>
-            <a:r>
-              <a:rPr lang="en-US" sz="2400" i="1" dirty="0">
-                <a:solidFill>
-                  <a:srgbClr val="000000"/>
-                </a:solidFill>
-                <a:effectLst/>
-                <a:latin typeface="Calibri" panose="020F0502020204030204" pitchFamily="34" charset="0"/>
-                <a:ea typeface="Calibri" panose="020F0502020204030204" pitchFamily="34" charset="0"/>
-              </a:rPr>
-              <a:t>It can perform a network scan on a network to find out live hosts.</a:t>
-            </a:r>
-          </a:p>
-          <a:p>
-            <a:pPr marL="285750" indent="-285750">
-              <a:buFont typeface="Arial" panose="020B0604020202020204" pitchFamily="34" charset="0"/>
-              <a:buChar char="•"/>
-            </a:pPr>
-            <a:r>
-              <a:rPr lang="en-US" sz="2400" i="1" dirty="0">
-                <a:solidFill>
-                  <a:srgbClr val="000000"/>
-                </a:solidFill>
-                <a:effectLst/>
-                <a:latin typeface="Calibri" panose="020F0502020204030204" pitchFamily="34" charset="0"/>
-                <a:ea typeface="Calibri" panose="020F0502020204030204" pitchFamily="34" charset="0"/>
-              </a:rPr>
-              <a:t>Full Support for Windows, Linux and Android without any Elevated/Root privileges.</a:t>
-            </a:r>
-          </a:p>
-          <a:p>
-            <a:pPr marL="285750" indent="-285750">
-              <a:buFont typeface="Arial" panose="020B0604020202020204" pitchFamily="34" charset="0"/>
-              <a:buChar char="•"/>
-            </a:pPr>
-            <a:r>
-              <a:rPr lang="en-US" sz="2400" i="1" dirty="0">
-                <a:solidFill>
-                  <a:srgbClr val="000000"/>
-                </a:solidFill>
-                <a:effectLst/>
-                <a:latin typeface="Calibri" panose="020F0502020204030204" pitchFamily="34" charset="0"/>
-                <a:ea typeface="Calibri" panose="020F0502020204030204" pitchFamily="34" charset="0"/>
-              </a:rPr>
-              <a:t>Provides colored event-based visual responses.</a:t>
-            </a:r>
-          </a:p>
-          <a:p>
-            <a:pPr marL="285750" indent="-285750">
-              <a:buFont typeface="Arial" panose="020B0604020202020204" pitchFamily="34" charset="0"/>
-              <a:buChar char="•"/>
-            </a:pPr>
-            <a:r>
-              <a:rPr lang="en-US" sz="2400" i="1" dirty="0">
-                <a:solidFill>
-                  <a:srgbClr val="000000"/>
-                </a:solidFill>
-                <a:effectLst/>
-                <a:latin typeface="Calibri" panose="020F0502020204030204" pitchFamily="34" charset="0"/>
-                <a:ea typeface="Calibri" panose="020F0502020204030204" pitchFamily="34" charset="0"/>
-              </a:rPr>
-              <a:t>Is flexible. Multiple scanning options can be combined based on requirements.</a:t>
-            </a:r>
-          </a:p>
-          <a:p>
-            <a:pPr marL="285750" indent="-285750">
-              <a:buFont typeface="Arial" panose="020B0604020202020204" pitchFamily="34" charset="0"/>
-              <a:buChar char="•"/>
-            </a:pPr>
-            <a:r>
-              <a:rPr lang="en-US" sz="2400" i="1" dirty="0">
-                <a:solidFill>
-                  <a:srgbClr val="000000"/>
-                </a:solidFill>
-                <a:effectLst/>
-                <a:latin typeface="Calibri" panose="020F0502020204030204" pitchFamily="34" charset="0"/>
-                <a:ea typeface="Calibri" panose="020F0502020204030204" pitchFamily="34" charset="0"/>
-              </a:rPr>
-              <a:t>Is clever. Scans only the live targets if a network scan is combined with other scans.</a:t>
-            </a:r>
-          </a:p>
-          <a:p>
-            <a:pPr marL="285750" indent="-285750">
-              <a:buFont typeface="Arial" panose="020B0604020202020204" pitchFamily="34" charset="0"/>
-              <a:buChar char="•"/>
-            </a:pPr>
-            <a:r>
-              <a:rPr lang="en-US" sz="2400" i="1" dirty="0">
-                <a:solidFill>
-                  <a:srgbClr val="000000"/>
-                </a:solidFill>
-                <a:latin typeface="Calibri" panose="020F0502020204030204" pitchFamily="34" charset="0"/>
-                <a:ea typeface="Calibri" panose="020F0502020204030204" pitchFamily="34" charset="0"/>
-              </a:rPr>
-              <a:t>Support logging and exporting scan results in a report for security audits.</a:t>
-            </a:r>
-          </a:p>
-          <a:p>
-            <a:pPr marL="285750" indent="-285750">
-              <a:buFont typeface="Arial" panose="020B0604020202020204" pitchFamily="34" charset="0"/>
-              <a:buChar char="•"/>
-            </a:pPr>
-            <a:r>
-              <a:rPr lang="en-US" sz="2400" i="1" dirty="0">
-                <a:solidFill>
-                  <a:srgbClr val="000000"/>
-                </a:solidFill>
-                <a:effectLst/>
-                <a:latin typeface="Calibri" panose="020F0502020204030204" pitchFamily="34" charset="0"/>
-                <a:ea typeface="Calibri" panose="020F0502020204030204" pitchFamily="34" charset="0"/>
-              </a:rPr>
-              <a:t>Can be also used as an Automation engine and imported in other projects as a library.</a:t>
-            </a:r>
-          </a:p>
-          <a:p>
-            <a:pPr marL="285750" indent="-285750">
-              <a:buFont typeface="Arial" panose="020B0604020202020204" pitchFamily="34" charset="0"/>
-              <a:buChar char="•"/>
-            </a:pPr>
-            <a:r>
-              <a:rPr lang="en-US" sz="2400" i="1" dirty="0">
-                <a:solidFill>
-                  <a:srgbClr val="000000"/>
-                </a:solidFill>
-                <a:latin typeface="Calibri" panose="020F0502020204030204" pitchFamily="34" charset="0"/>
-                <a:ea typeface="Calibri" panose="020F0502020204030204" pitchFamily="34" charset="0"/>
-              </a:rPr>
-              <a:t>Indefinite possibilities. Totally depends upon the capabilities of end-users and their skills on how well they can use </a:t>
-            </a:r>
-            <a:r>
-              <a:rPr lang="en-US" sz="2400" b="1" i="1" dirty="0">
-                <a:solidFill>
-                  <a:srgbClr val="000000"/>
-                </a:solidFill>
-                <a:latin typeface="Calibri" panose="020F0502020204030204" pitchFamily="34" charset="0"/>
-                <a:ea typeface="Calibri" panose="020F0502020204030204" pitchFamily="34" charset="0"/>
-              </a:rPr>
-              <a:t>Carnage </a:t>
-            </a:r>
-            <a:r>
-              <a:rPr lang="en-US" sz="2400" i="1" dirty="0">
-                <a:solidFill>
-                  <a:srgbClr val="000000"/>
-                </a:solidFill>
-                <a:latin typeface="Calibri" panose="020F0502020204030204" pitchFamily="34" charset="0"/>
-                <a:ea typeface="Calibri" panose="020F0502020204030204" pitchFamily="34" charset="0"/>
-              </a:rPr>
-              <a:t>to automate the boring stuff</a:t>
-            </a:r>
-          </a:p>
-          <a:p>
-            <a:pPr marL="285750" indent="-285750">
-              <a:buFont typeface="Arial" panose="020B0604020202020204" pitchFamily="34" charset="0"/>
-              <a:buChar char="•"/>
-            </a:pPr>
-            <a:r>
-              <a:rPr lang="en-US" sz="2400" i="1" dirty="0">
-                <a:solidFill>
-                  <a:srgbClr val="000000"/>
-                </a:solidFill>
-                <a:latin typeface="Calibri" panose="020F0502020204030204" pitchFamily="34" charset="0"/>
-                <a:ea typeface="Calibri" panose="020F0502020204030204" pitchFamily="34" charset="0"/>
-              </a:rPr>
-              <a:t>It outputs the data/scan results in a useful format which can fed into other tools for processing.</a:t>
-            </a:r>
-          </a:p>
-          <a:p>
-            <a:pPr marL="285750" indent="-285750">
-              <a:buFont typeface="Arial" panose="020B0604020202020204" pitchFamily="34" charset="0"/>
-              <a:buChar char="•"/>
-            </a:pPr>
-            <a:r>
-              <a:rPr lang="en-US" sz="2400" i="1" dirty="0">
-                <a:solidFill>
-                  <a:srgbClr val="000000"/>
-                </a:solidFill>
-                <a:effectLst/>
-                <a:latin typeface="Calibri" panose="020F0502020204030204" pitchFamily="34" charset="0"/>
-                <a:ea typeface="Calibri" panose="020F0502020204030204" pitchFamily="34" charset="0"/>
-              </a:rPr>
-              <a:t>It can be used </a:t>
-            </a:r>
-            <a:r>
-              <a:rPr lang="en-US" sz="2400" i="1" dirty="0">
-                <a:solidFill>
-                  <a:srgbClr val="000000"/>
-                </a:solidFill>
-                <a:latin typeface="Calibri" panose="020F0502020204030204" pitchFamily="34" charset="0"/>
-                <a:ea typeface="Calibri" panose="020F0502020204030204" pitchFamily="34" charset="0"/>
-              </a:rPr>
-              <a:t>for automatically monitoring group of targets, generating logs and analyzing their behavior over time.</a:t>
-            </a:r>
+              <a:t>Network Automation Engine/Framework packed with lots of useful features. It has lots of use cases and the possibilities of ways of automating a workflow using carnage are limitless.</a:t>
+            </a:r>
+          </a:p>
+          <a:p>
             <a:endParaRPr lang="en-US" sz="2400" i="1" dirty="0">
               <a:solidFill>
                 <a:srgbClr val="000000"/>
               </a:solidFill>
-              <a:effectLst/>
               <a:latin typeface="Calibri" panose="020F0502020204030204" pitchFamily="34" charset="0"/>
               <a:ea typeface="Calibri" panose="020F0502020204030204" pitchFamily="34" charset="0"/>
             </a:endParaRPr>
           </a:p>
+          <a:p>
+            <a:r>
+              <a:rPr lang="en-US" sz="2400" i="1" u="sng" dirty="0">
+                <a:solidFill>
+                  <a:srgbClr val="000000"/>
+                </a:solidFill>
+                <a:latin typeface="Calibri" panose="020F0502020204030204" pitchFamily="34" charset="0"/>
+                <a:ea typeface="Calibri" panose="020F0502020204030204" pitchFamily="34" charset="0"/>
+              </a:rPr>
+              <a:t>Here are some of the major highlights of carnage :-</a:t>
+            </a:r>
+          </a:p>
+          <a:p>
+            <a:pPr marL="457200" indent="-457200">
+              <a:buFont typeface="Arial" panose="020B0604020202020204" pitchFamily="34" charset="0"/>
+              <a:buChar char="•"/>
+            </a:pPr>
+            <a:r>
+              <a:rPr lang="en-US" sz="2400" i="1" dirty="0">
+                <a:solidFill>
+                  <a:srgbClr val="000000"/>
+                </a:solidFill>
+                <a:latin typeface="Calibri" panose="020F0502020204030204" pitchFamily="34" charset="0"/>
+                <a:ea typeface="Calibri" panose="020F0502020204030204" pitchFamily="34" charset="0"/>
+              </a:rPr>
+              <a:t>Cross-Platform (Seamless support for Windows, Android, Linux)</a:t>
+            </a:r>
+          </a:p>
+          <a:p>
+            <a:pPr marL="457200" indent="-457200">
+              <a:buFont typeface="Arial" panose="020B0604020202020204" pitchFamily="34" charset="0"/>
+              <a:buChar char="•"/>
+            </a:pPr>
+            <a:r>
+              <a:rPr lang="en-US" sz="2400" i="1" dirty="0">
+                <a:solidFill>
+                  <a:srgbClr val="000000"/>
+                </a:solidFill>
+                <a:latin typeface="Calibri" panose="020F0502020204030204" pitchFamily="34" charset="0"/>
+                <a:ea typeface="Calibri" panose="020F0502020204030204" pitchFamily="34" charset="0"/>
+              </a:rPr>
+              <a:t>Can be used for information/intelligence gathering on malicious websites/servers both on Dark-Web as well as Surface-Web</a:t>
+            </a:r>
+          </a:p>
+          <a:p>
+            <a:pPr marL="457200" indent="-457200">
+              <a:buFont typeface="Arial" panose="020B0604020202020204" pitchFamily="34" charset="0"/>
+              <a:buChar char="•"/>
+            </a:pPr>
+            <a:r>
+              <a:rPr lang="en-US" sz="2400" i="1" dirty="0">
+                <a:solidFill>
+                  <a:srgbClr val="000000"/>
+                </a:solidFill>
+                <a:latin typeface="Calibri" panose="020F0502020204030204" pitchFamily="34" charset="0"/>
+                <a:ea typeface="Calibri" panose="020F0502020204030204" pitchFamily="34" charset="0"/>
+              </a:rPr>
+              <a:t>Also acts as a Network Automation as a Service (</a:t>
+            </a:r>
+            <a:r>
+              <a:rPr lang="en-US" sz="2400" i="1" dirty="0" err="1">
+                <a:solidFill>
+                  <a:srgbClr val="000000"/>
+                </a:solidFill>
+                <a:latin typeface="Calibri" panose="020F0502020204030204" pitchFamily="34" charset="0"/>
+                <a:ea typeface="Calibri" panose="020F0502020204030204" pitchFamily="34" charset="0"/>
+              </a:rPr>
+              <a:t>NAaaS</a:t>
+            </a:r>
+            <a:r>
+              <a:rPr lang="en-US" sz="2400" i="1" dirty="0">
+                <a:solidFill>
+                  <a:srgbClr val="000000"/>
+                </a:solidFill>
+                <a:latin typeface="Calibri" panose="020F0502020204030204" pitchFamily="34" charset="0"/>
+                <a:ea typeface="Calibri" panose="020F0502020204030204" pitchFamily="34" charset="0"/>
+              </a:rPr>
+              <a:t>) tool through web-</a:t>
+            </a:r>
+            <a:r>
+              <a:rPr lang="en-US" sz="2400" i="1" dirty="0" err="1">
+                <a:solidFill>
+                  <a:srgbClr val="000000"/>
+                </a:solidFill>
+                <a:latin typeface="Calibri" panose="020F0502020204030204" pitchFamily="34" charset="0"/>
+                <a:ea typeface="Calibri" panose="020F0502020204030204" pitchFamily="34" charset="0"/>
+              </a:rPr>
+              <a:t>api</a:t>
+            </a:r>
+            <a:r>
+              <a:rPr lang="en-US" sz="2400" i="1" dirty="0">
+                <a:solidFill>
+                  <a:srgbClr val="000000"/>
+                </a:solidFill>
+                <a:latin typeface="Calibri" panose="020F0502020204030204" pitchFamily="34" charset="0"/>
+                <a:ea typeface="Calibri" panose="020F0502020204030204" pitchFamily="34" charset="0"/>
+              </a:rPr>
+              <a:t> calls which can be used on demand from anywhere in the world without need of any platform.</a:t>
+            </a:r>
+          </a:p>
+          <a:p>
+            <a:pPr marL="457200" indent="-457200">
+              <a:buFont typeface="Arial" panose="020B0604020202020204" pitchFamily="34" charset="0"/>
+              <a:buChar char="•"/>
+            </a:pPr>
+            <a:r>
+              <a:rPr lang="en-US" sz="2400" i="1" dirty="0">
+                <a:solidFill>
+                  <a:srgbClr val="000000"/>
+                </a:solidFill>
+                <a:latin typeface="Calibri" panose="020F0502020204030204" pitchFamily="34" charset="0"/>
+                <a:ea typeface="Calibri" panose="020F0502020204030204" pitchFamily="34" charset="0"/>
+              </a:rPr>
+              <a:t>Is clever &amp; flexible. Multiple scanning options can be combined based on requirements.</a:t>
+            </a:r>
+          </a:p>
+          <a:p>
+            <a:pPr marL="457200" indent="-457200">
+              <a:buFont typeface="Arial" panose="020B0604020202020204" pitchFamily="34" charset="0"/>
+              <a:buChar char="•"/>
+            </a:pPr>
+            <a:r>
+              <a:rPr lang="en-US" sz="2400" i="1" dirty="0">
+                <a:solidFill>
+                  <a:srgbClr val="000000"/>
+                </a:solidFill>
+                <a:latin typeface="Calibri" panose="020F0502020204030204" pitchFamily="34" charset="0"/>
+                <a:ea typeface="Calibri" panose="020F0502020204030204" pitchFamily="34" charset="0"/>
+              </a:rPr>
+              <a:t>Has a very intuitive and user-friendly Command-Line Interface.</a:t>
+            </a:r>
+          </a:p>
+          <a:p>
+            <a:pPr marL="457200" indent="-457200">
+              <a:buFont typeface="Arial" panose="020B0604020202020204" pitchFamily="34" charset="0"/>
+              <a:buChar char="•"/>
+            </a:pPr>
+            <a:r>
+              <a:rPr lang="en-US" sz="2400" i="1" dirty="0">
+                <a:solidFill>
+                  <a:srgbClr val="000000"/>
+                </a:solidFill>
+                <a:latin typeface="Calibri" panose="020F0502020204030204" pitchFamily="34" charset="0"/>
+                <a:ea typeface="Calibri" panose="020F0502020204030204" pitchFamily="34" charset="0"/>
+              </a:rPr>
+              <a:t>It has the ability to run autonomously and generate reports of scans which can be used for logging and monitoring of a target, which can be further used for behavioral analysis of a target over time.</a:t>
+            </a:r>
+          </a:p>
+          <a:p>
+            <a:pPr marL="457200" indent="-457200">
+              <a:buFont typeface="Arial" panose="020B0604020202020204" pitchFamily="34" charset="0"/>
+              <a:buChar char="•"/>
+            </a:pPr>
+            <a:r>
+              <a:rPr lang="en-US" sz="2400" i="1" dirty="0">
+                <a:solidFill>
+                  <a:srgbClr val="000000"/>
+                </a:solidFill>
+                <a:latin typeface="Calibri" panose="020F0502020204030204" pitchFamily="34" charset="0"/>
+                <a:ea typeface="Calibri" panose="020F0502020204030204" pitchFamily="34" charset="0"/>
+              </a:rPr>
+              <a:t>Easy to install, deploy and use as a service in private servers.</a:t>
+            </a:r>
+          </a:p>
+          <a:p>
+            <a:pPr marL="457200" indent="-457200">
+              <a:buFont typeface="Arial" panose="020B0604020202020204" pitchFamily="34" charset="0"/>
+              <a:buChar char="•"/>
+            </a:pPr>
+            <a:r>
+              <a:rPr lang="en-US" sz="2400" i="1" dirty="0">
+                <a:solidFill>
+                  <a:srgbClr val="000000"/>
+                </a:solidFill>
+                <a:latin typeface="Calibri" panose="020F0502020204030204" pitchFamily="34" charset="0"/>
+                <a:ea typeface="Calibri" panose="020F0502020204030204" pitchFamily="34" charset="0"/>
+              </a:rPr>
+              <a:t>It outputs the data/scan results in a useful format which can fed into other tools for further processing/visualizing.</a:t>
+            </a:r>
+          </a:p>
+          <a:p>
+            <a:pPr marL="457200" indent="-457200">
+              <a:buFont typeface="Arial" panose="020B0604020202020204" pitchFamily="34" charset="0"/>
+              <a:buChar char="•"/>
+            </a:pPr>
+            <a:endParaRPr lang="en-US" sz="2400" i="1" dirty="0">
+              <a:solidFill>
+                <a:srgbClr val="000000"/>
+              </a:solidFill>
+              <a:latin typeface="Calibri" panose="020F0502020204030204" pitchFamily="34" charset="0"/>
+              <a:ea typeface="Calibri" panose="020F0502020204030204" pitchFamily="34" charset="0"/>
+            </a:endParaRPr>
+          </a:p>
+          <a:p>
+            <a:pPr marL="457200" indent="-457200">
+              <a:buFont typeface="Arial" panose="020B0604020202020204" pitchFamily="34" charset="0"/>
+              <a:buChar char="•"/>
+            </a:pPr>
+            <a:endParaRPr lang="en-US" sz="2400" i="1" dirty="0">
+              <a:solidFill>
+                <a:srgbClr val="000000"/>
+              </a:solidFill>
+              <a:latin typeface="Calibri" panose="020F0502020204030204" pitchFamily="34" charset="0"/>
+              <a:ea typeface="Calibri" panose="020F0502020204030204" pitchFamily="34" charset="0"/>
+            </a:endParaRPr>
+          </a:p>
+          <a:p>
+            <a:endParaRPr lang="en-US" sz="2400" i="1" dirty="0">
+              <a:solidFill>
+                <a:srgbClr val="000000"/>
+              </a:solidFill>
+              <a:latin typeface="Calibri" panose="020F0502020204030204" pitchFamily="34" charset="0"/>
+            </a:endParaRPr>
+          </a:p>
         </p:txBody>
       </p:sp>
     </p:spTree>
     <p:extLst>
       <p:ext uri="{BB962C8B-B14F-4D97-AF65-F5344CB8AC3E}">
-        <p14:creationId xmlns:p14="http://schemas.microsoft.com/office/powerpoint/2010/main" val="2356713223"/>
+        <p14:creationId xmlns:p14="http://schemas.microsoft.com/office/powerpoint/2010/main" val="2384790760"/>
       </p:ext>
     </p:extLst>
   </p:cSld>
@@ -5156,7 +5212,7 @@
         <p:spPr>
           <a:xfrm>
             <a:off x="16916400" y="0"/>
-            <a:ext cx="1271758" cy="10097523"/>
+            <a:ext cx="1231106" cy="10097523"/>
           </a:xfrm>
           <a:prstGeom prst="rect">
             <a:avLst/>
@@ -5168,27 +5224,21 @@
           </a:bodyPr>
           <a:lstStyle/>
           <a:p>
-            <a:pPr marL="12700">
+            <a:pPr marL="12700" algn="ctr">
               <a:lnSpc>
                 <a:spcPts val="9610"/>
               </a:lnSpc>
             </a:pPr>
             <a:r>
-              <a:rPr lang="en-IN" sz="12000" dirty="0">
+              <a:rPr lang="en-IN" sz="10000" dirty="0">
                 <a:solidFill>
                   <a:srgbClr val="FFFFFF"/>
                 </a:solidFill>
                 <a:latin typeface="Segoe UI Black" panose="020B0A02040204020203" pitchFamily="34" charset="0"/>
                 <a:ea typeface="Segoe UI Black" panose="020B0A02040204020203" pitchFamily="34" charset="0"/>
-                <a:cs typeface="Verdana"/>
-              </a:rPr>
-              <a:t>DEVBHOOMI</a:t>
-            </a:r>
-            <a:endParaRPr sz="12000" dirty="0">
-              <a:latin typeface="Segoe UI Black" panose="020B0A02040204020203" pitchFamily="34" charset="0"/>
-              <a:ea typeface="Segoe UI Black" panose="020B0A02040204020203" pitchFamily="34" charset="0"/>
-              <a:cs typeface="Verdana"/>
-            </a:endParaRPr>
+              </a:rPr>
+              <a:t>HACKODISHA</a:t>
+            </a:r>
           </a:p>
         </p:txBody>
       </p:sp>
@@ -5367,8 +5417,8 @@
         </p:nvSpPr>
         <p:spPr>
           <a:xfrm>
-            <a:off x="2747682" y="1790700"/>
-            <a:ext cx="10437899" cy="1088118"/>
+            <a:off x="2317404" y="1789024"/>
+            <a:ext cx="10437899" cy="780342"/>
           </a:xfrm>
           <a:prstGeom prst="rect">
             <a:avLst/>
@@ -5381,15 +5431,17 @@
           <a:lstStyle/>
           <a:p>
             <a:r>
-              <a:rPr lang="en-IN" sz="6000" i="0" u="none" strike="noStrike" dirty="0">
+              <a:rPr lang="en-IN" sz="4000" i="0" u="none" strike="noStrike" dirty="0">
                 <a:solidFill>
                   <a:srgbClr val="E5645E"/>
                 </a:solidFill>
                 <a:effectLst/>
-              </a:rPr>
-              <a:t>Tech Stack :</a:t>
-            </a:r>
-            <a:endParaRPr lang="en-IN" sz="6000" dirty="0">
+                <a:latin typeface="Verdana" panose="020B0604030504040204" pitchFamily="34" charset="0"/>
+                <a:ea typeface="Verdana" panose="020B0604030504040204" pitchFamily="34" charset="0"/>
+              </a:rPr>
+              <a:t>Examples :</a:t>
+            </a:r>
+            <a:endParaRPr lang="en-IN" sz="4000" dirty="0">
               <a:solidFill>
                 <a:srgbClr val="E5645E"/>
               </a:solidFill>
@@ -5409,7 +5461,7 @@
         <p:spPr>
           <a:xfrm>
             <a:off x="16916400" y="0"/>
-            <a:ext cx="1271758" cy="10097523"/>
+            <a:ext cx="1231106" cy="10097523"/>
           </a:xfrm>
           <a:prstGeom prst="rect">
             <a:avLst/>
@@ -5421,95 +5473,77 @@
           </a:bodyPr>
           <a:lstStyle/>
           <a:p>
-            <a:pPr marL="12700">
+            <a:pPr marL="12700" algn="ctr">
               <a:lnSpc>
                 <a:spcPts val="9610"/>
               </a:lnSpc>
             </a:pPr>
             <a:r>
-              <a:rPr lang="en-IN" sz="12000" dirty="0">
+              <a:rPr lang="en-IN" sz="10000" dirty="0">
                 <a:solidFill>
                   <a:srgbClr val="FFFFFF"/>
                 </a:solidFill>
                 <a:latin typeface="Segoe UI Black" panose="020B0A02040204020203" pitchFamily="34" charset="0"/>
                 <a:ea typeface="Segoe UI Black" panose="020B0A02040204020203" pitchFamily="34" charset="0"/>
-                <a:cs typeface="Verdana"/>
-              </a:rPr>
-              <a:t>DEVBHOOMI</a:t>
-            </a:r>
-            <a:endParaRPr sz="12000" dirty="0">
-              <a:latin typeface="Segoe UI Black" panose="020B0A02040204020203" pitchFamily="34" charset="0"/>
-              <a:ea typeface="Segoe UI Black" panose="020B0A02040204020203" pitchFamily="34" charset="0"/>
-              <a:cs typeface="Verdana"/>
-            </a:endParaRPr>
-          </a:p>
-        </p:txBody>
-      </p:sp>
-      <p:sp>
-        <p:nvSpPr>
-          <p:cNvPr id="5" name="object 2">
+              </a:rPr>
+              <a:t>HACKODISHA</a:t>
+            </a:r>
+          </a:p>
+        </p:txBody>
+      </p:sp>
+      <p:pic>
+        <p:nvPicPr>
+          <p:cNvPr id="1026" name="Picture 2">
             <a:extLst>
               <a:ext uri="{FF2B5EF4-FFF2-40B4-BE49-F238E27FC236}">
-                <a16:creationId xmlns:a16="http://schemas.microsoft.com/office/drawing/2014/main" id="{9DB042FF-EFAA-47C0-A714-F5ED7DC14568}"/>
+                <a16:creationId xmlns:a16="http://schemas.microsoft.com/office/drawing/2014/main" id="{E5D0392A-13B4-44B7-507F-6DD09C21260F}"/>
               </a:ext>
             </a:extLst>
           </p:cNvPr>
-          <p:cNvSpPr txBox="1">
-            <a:spLocks/>
-          </p:cNvSpPr>
+          <p:cNvPicPr>
+            <a:picLocks noChangeAspect="1" noChangeArrowheads="1"/>
+          </p:cNvPicPr>
           <p:nvPr/>
-        </p:nvSpPr>
-        <p:spPr>
+        </p:nvPicPr>
+        <p:blipFill>
+          <a:blip r:embed="rId3">
+            <a:extLst>
+              <a:ext uri="{28A0092B-C50C-407E-A947-70E740481C1C}">
+                <a14:useLocalDpi xmlns:a14="http://schemas.microsoft.com/office/drawing/2010/main" val="0"/>
+              </a:ext>
+            </a:extLst>
+          </a:blip>
+          <a:srcRect/>
+          <a:stretch>
+            <a:fillRect/>
+          </a:stretch>
+        </p:blipFill>
+        <p:spPr bwMode="auto">
           <a:xfrm>
-            <a:off x="2743200" y="4254736"/>
-            <a:ext cx="10437899" cy="1088118"/>
+            <a:off x="2319025" y="2596172"/>
+            <a:ext cx="6062975" cy="3086100"/>
           </a:xfrm>
           <a:prstGeom prst="rect">
             <a:avLst/>
           </a:prstGeom>
+          <a:noFill/>
+          <a:extLst>
+            <a:ext uri="{909E8E84-426E-40DD-AFC4-6F175D3DCCD1}">
+              <a14:hiddenFill xmlns:a14="http://schemas.microsoft.com/office/drawing/2010/main">
+                <a:solidFill>
+                  <a:srgbClr val="FFFFFF"/>
+                </a:solidFill>
+              </a14:hiddenFill>
+            </a:ext>
+          </a:extLst>
         </p:spPr>
-        <p:txBody>
-          <a:bodyPr vert="horz" wrap="square" lIns="0" tIns="163195" rIns="0" bIns="0" rtlCol="0">
-            <a:spAutoFit/>
-          </a:bodyPr>
-          <a:lstStyle>
-            <a:lvl1pPr>
-              <a:defRPr sz="9600" b="1" i="0">
-                <a:solidFill>
-                  <a:srgbClr val="E4645D"/>
-                </a:solidFill>
-                <a:latin typeface="Verdana"/>
-                <a:ea typeface="+mj-ea"/>
-                <a:cs typeface="Verdana"/>
-              </a:defRPr>
-            </a:lvl1pPr>
-          </a:lstStyle>
-          <a:p>
-            <a:r>
-              <a:rPr lang="en-US" sz="6000" i="0" u="none" strike="noStrike" dirty="0">
-                <a:solidFill>
-                  <a:srgbClr val="E5645E"/>
-                </a:solidFill>
-                <a:effectLst/>
-              </a:rPr>
-              <a:t>Future Scope :</a:t>
-            </a:r>
-            <a:endParaRPr lang="en-IN" sz="6000" kern="0" dirty="0">
-              <a:solidFill>
-                <a:srgbClr val="E5645E"/>
-              </a:solidFill>
-              <a:latin typeface="Verdana" panose="020B0604030504040204" pitchFamily="34" charset="0"/>
-              <a:ea typeface="Verdana" panose="020B0604030504040204" pitchFamily="34" charset="0"/>
-            </a:endParaRPr>
-          </a:p>
-        </p:txBody>
-      </p:sp>
-      <p:sp>
-        <p:nvSpPr>
-          <p:cNvPr id="6" name="TextBox 5">
+      </p:pic>
+      <p:sp>
+        <p:nvSpPr>
+          <p:cNvPr id="3" name="TextBox 2">
             <a:extLst>
               <a:ext uri="{FF2B5EF4-FFF2-40B4-BE49-F238E27FC236}">
-                <a16:creationId xmlns:a16="http://schemas.microsoft.com/office/drawing/2014/main" id="{E0A9B4E8-CC5D-9B5C-0318-13E69FACF53A}"/>
+                <a16:creationId xmlns:a16="http://schemas.microsoft.com/office/drawing/2014/main" id="{93F8C200-FE51-CB5E-6F43-310C1B5F250B}"/>
               </a:ext>
             </a:extLst>
           </p:cNvPr>
@@ -5518,8 +5552,8 @@
         </p:nvSpPr>
         <p:spPr>
           <a:xfrm>
-            <a:off x="2743200" y="2869310"/>
-            <a:ext cx="9542928" cy="369332"/>
+            <a:off x="2514600" y="5714698"/>
+            <a:ext cx="4169324" cy="369332"/>
           </a:xfrm>
           <a:prstGeom prst="rect">
             <a:avLst/>
@@ -5527,34 +5561,61 @@
           <a:noFill/>
         </p:spPr>
         <p:txBody>
-          <a:bodyPr wrap="square">
+          <a:bodyPr wrap="square" rtlCol="0">
             <a:spAutoFit/>
           </a:bodyPr>
           <a:lstStyle/>
           <a:p>
-            <a:pPr marL="285750" indent="-285750">
-              <a:buFont typeface="Arial" panose="020B0604020202020204" pitchFamily="34" charset="0"/>
-              <a:buChar char="•"/>
-            </a:pPr>
-            <a:r>
-              <a:rPr lang="en-US" b="1" i="1" dirty="0">
-                <a:solidFill>
-                  <a:srgbClr val="000000"/>
-                </a:solidFill>
-                <a:latin typeface="Calibri" panose="020F0502020204030204" pitchFamily="34" charset="0"/>
-              </a:rPr>
-              <a:t>Python and some core python libraries.</a:t>
-            </a:r>
-            <a:endParaRPr lang="en-IN" b="1" dirty="0"/>
-          </a:p>
-        </p:txBody>
-      </p:sp>
-      <p:sp>
-        <p:nvSpPr>
-          <p:cNvPr id="8" name="TextBox 7">
+            <a:pPr algn="ctr"/>
+            <a:r>
+              <a:rPr lang="en-IN" dirty="0"/>
+              <a:t>Basic Carnage CLI Usage</a:t>
+            </a:r>
+          </a:p>
+        </p:txBody>
+      </p:sp>
+      <p:pic>
+        <p:nvPicPr>
+          <p:cNvPr id="7" name="Picture 6">
             <a:extLst>
               <a:ext uri="{FF2B5EF4-FFF2-40B4-BE49-F238E27FC236}">
-                <a16:creationId xmlns:a16="http://schemas.microsoft.com/office/drawing/2014/main" id="{CE676133-4C8A-34C2-428F-EC6A5FB84A24}"/>
+                <a16:creationId xmlns:a16="http://schemas.microsoft.com/office/drawing/2014/main" id="{1E354CD8-8D4D-145C-9CFC-3E205E58DA74}"/>
+              </a:ext>
+            </a:extLst>
+          </p:cNvPr>
+          <p:cNvPicPr>
+            <a:picLocks noChangeAspect="1"/>
+          </p:cNvPicPr>
+          <p:nvPr/>
+        </p:nvPicPr>
+        <p:blipFill>
+          <a:blip r:embed="rId4">
+            <a:extLst>
+              <a:ext uri="{28A0092B-C50C-407E-A947-70E740481C1C}">
+                <a14:useLocalDpi xmlns:a14="http://schemas.microsoft.com/office/drawing/2010/main" val="0"/>
+              </a:ext>
+            </a:extLst>
+          </a:blip>
+          <a:stretch>
+            <a:fillRect/>
+          </a:stretch>
+        </p:blipFill>
+        <p:spPr>
+          <a:xfrm>
+            <a:off x="8967880" y="2606710"/>
+            <a:ext cx="6705600" cy="3143656"/>
+          </a:xfrm>
+          <a:prstGeom prst="rect">
+            <a:avLst/>
+          </a:prstGeom>
+        </p:spPr>
+      </p:pic>
+      <p:sp>
+        <p:nvSpPr>
+          <p:cNvPr id="9" name="TextBox 8">
+            <a:extLst>
+              <a:ext uri="{FF2B5EF4-FFF2-40B4-BE49-F238E27FC236}">
+                <a16:creationId xmlns:a16="http://schemas.microsoft.com/office/drawing/2014/main" id="{31340773-6AA6-5D88-92A8-F53BE9D9A50B}"/>
               </a:ext>
             </a:extLst>
           </p:cNvPr>
@@ -5563,8 +5624,8 @@
         </p:nvSpPr>
         <p:spPr>
           <a:xfrm>
-            <a:off x="2971800" y="3238642"/>
-            <a:ext cx="11353800" cy="1200329"/>
+            <a:off x="8382000" y="5769011"/>
+            <a:ext cx="7620000" cy="369332"/>
           </a:xfrm>
           <a:prstGeom prst="rect">
             <a:avLst/>
@@ -5572,107 +5633,61 @@
           <a:noFill/>
         </p:spPr>
         <p:txBody>
-          <a:bodyPr wrap="square">
+          <a:bodyPr wrap="square" rtlCol="0">
             <a:spAutoFit/>
           </a:bodyPr>
           <a:lstStyle/>
           <a:p>
-            <a:r>
-              <a:rPr lang="en-US" sz="1800" i="1" dirty="0">
-                <a:solidFill>
-                  <a:srgbClr val="000000"/>
-                </a:solidFill>
-                <a:effectLst/>
-                <a:latin typeface="Calibri" panose="020F0502020204030204" pitchFamily="34" charset="0"/>
-                <a:ea typeface="Calibri" panose="020F0502020204030204" pitchFamily="34" charset="0"/>
-              </a:rPr>
-              <a:t>Yup, right. There’s nothing more in the Technology Stack.</a:t>
-            </a:r>
-          </a:p>
-          <a:p>
-            <a:r>
-              <a:rPr lang="en-US" b="1" i="1" dirty="0">
-                <a:solidFill>
-                  <a:srgbClr val="000000"/>
-                </a:solidFill>
-                <a:latin typeface="Calibri" panose="020F0502020204030204" pitchFamily="34" charset="0"/>
-              </a:rPr>
-              <a:t>Carnage </a:t>
-            </a:r>
-            <a:r>
-              <a:rPr lang="en-US" i="1" dirty="0">
-                <a:solidFill>
-                  <a:srgbClr val="000000"/>
-                </a:solidFill>
-                <a:latin typeface="Calibri" panose="020F0502020204030204" pitchFamily="34" charset="0"/>
-              </a:rPr>
-              <a:t>will be built entirely just using </a:t>
-            </a:r>
-            <a:r>
-              <a:rPr lang="en-US" b="1" i="1" dirty="0">
-                <a:solidFill>
-                  <a:srgbClr val="000000"/>
-                </a:solidFill>
-                <a:latin typeface="Calibri" panose="020F0502020204030204" pitchFamily="34" charset="0"/>
-              </a:rPr>
-              <a:t>Python.</a:t>
-            </a:r>
-            <a:endParaRPr lang="en-US" i="1" dirty="0">
-              <a:solidFill>
-                <a:srgbClr val="000000"/>
-              </a:solidFill>
-              <a:latin typeface="Calibri" panose="020F0502020204030204" pitchFamily="34" charset="0"/>
-            </a:endParaRPr>
-          </a:p>
-          <a:p>
-            <a:r>
-              <a:rPr lang="en-US" i="1" dirty="0">
-                <a:solidFill>
-                  <a:srgbClr val="000000"/>
-                </a:solidFill>
-                <a:latin typeface="Calibri" panose="020F0502020204030204" pitchFamily="34" charset="0"/>
-              </a:rPr>
-              <a:t>It will be an Independent bare-metal tool and would not depend upon any other third-party tools or frameworks.</a:t>
-            </a:r>
-          </a:p>
-          <a:p>
-            <a:r>
-              <a:rPr lang="en-US" i="1" dirty="0">
-                <a:solidFill>
-                  <a:srgbClr val="000000"/>
-                </a:solidFill>
-                <a:latin typeface="Calibri" panose="020F0502020204030204" pitchFamily="34" charset="0"/>
-              </a:rPr>
-              <a:t>All the features that </a:t>
-            </a:r>
-            <a:r>
-              <a:rPr lang="en-US" b="1" i="1" dirty="0">
-                <a:solidFill>
-                  <a:srgbClr val="000000"/>
-                </a:solidFill>
-                <a:latin typeface="Calibri" panose="020F0502020204030204" pitchFamily="34" charset="0"/>
-              </a:rPr>
-              <a:t>Carnage </a:t>
-            </a:r>
-            <a:r>
-              <a:rPr lang="en-US" i="1" dirty="0">
-                <a:solidFill>
-                  <a:srgbClr val="000000"/>
-                </a:solidFill>
-                <a:latin typeface="Calibri" panose="020F0502020204030204" pitchFamily="34" charset="0"/>
-              </a:rPr>
-              <a:t>will contain will be hard-coded and written from scratch only using Python.</a:t>
-            </a:r>
-            <a:endParaRPr lang="en-IN" dirty="0"/>
-          </a:p>
-        </p:txBody>
-      </p:sp>
-      <p:sp>
-        <p:nvSpPr>
-          <p:cNvPr id="10" name="TextBox 9">
+            <a:pPr algn="ctr"/>
+            <a:r>
+              <a:rPr lang="en-IN" dirty="0"/>
+              <a:t>Carnage running as Network Automation as a Service platform</a:t>
+            </a:r>
+          </a:p>
+        </p:txBody>
+      </p:sp>
+      <p:pic>
+        <p:nvPicPr>
+          <p:cNvPr id="11" name="Picture 10">
             <a:extLst>
               <a:ext uri="{FF2B5EF4-FFF2-40B4-BE49-F238E27FC236}">
-                <a16:creationId xmlns:a16="http://schemas.microsoft.com/office/drawing/2014/main" id="{4A684612-6175-F914-3FB7-AE609FC5419F}"/>
+                <a16:creationId xmlns:a16="http://schemas.microsoft.com/office/drawing/2014/main" id="{ACDEA1FA-1F59-3C42-5CC4-045FC0685E95}"/>
+              </a:ext>
+            </a:extLst>
+          </p:cNvPr>
+          <p:cNvPicPr>
+            <a:picLocks noChangeAspect="1"/>
+          </p:cNvPicPr>
+          <p:nvPr/>
+        </p:nvPicPr>
+        <p:blipFill>
+          <a:blip r:embed="rId5">
+            <a:extLst>
+              <a:ext uri="{28A0092B-C50C-407E-A947-70E740481C1C}">
+                <a14:useLocalDpi xmlns:a14="http://schemas.microsoft.com/office/drawing/2010/main" val="0"/>
+              </a:ext>
+            </a:extLst>
+          </a:blip>
+          <a:stretch>
+            <a:fillRect/>
+          </a:stretch>
+        </p:blipFill>
+        <p:spPr>
+          <a:xfrm>
+            <a:off x="8967880" y="6156988"/>
+            <a:ext cx="6705600" cy="3086100"/>
+          </a:xfrm>
+          <a:prstGeom prst="rect">
+            <a:avLst/>
+          </a:prstGeom>
+        </p:spPr>
+      </p:pic>
+      <p:sp>
+        <p:nvSpPr>
+          <p:cNvPr id="13" name="TextBox 12">
+            <a:extLst>
+              <a:ext uri="{FF2B5EF4-FFF2-40B4-BE49-F238E27FC236}">
+                <a16:creationId xmlns:a16="http://schemas.microsoft.com/office/drawing/2014/main" id="{0F2B8373-0AAC-C12C-4E24-8A5CA1588A68}"/>
               </a:ext>
             </a:extLst>
           </p:cNvPr>
@@ -5681,8 +5696,8 @@
         </p:nvSpPr>
         <p:spPr>
           <a:xfrm>
-            <a:off x="2738718" y="5295900"/>
-            <a:ext cx="9542928" cy="4306564"/>
+            <a:off x="7239600" y="9243088"/>
+            <a:ext cx="9552560" cy="369332"/>
           </a:xfrm>
           <a:prstGeom prst="rect">
             <a:avLst/>
@@ -5695,198 +5710,82 @@
           </a:bodyPr>
           <a:lstStyle/>
           <a:p>
-            <a:pPr marL="285750" indent="-285750" algn="just">
-              <a:lnSpc>
-                <a:spcPct val="115000"/>
-              </a:lnSpc>
-              <a:spcAft>
-                <a:spcPts val="800"/>
-              </a:spcAft>
-              <a:buFont typeface="Arial" panose="020B0604020202020204" pitchFamily="34" charset="0"/>
-              <a:buChar char="•"/>
-            </a:pPr>
-            <a:r>
-              <a:rPr lang="en-US" i="1" dirty="0">
-                <a:solidFill>
-                  <a:srgbClr val="000000"/>
-                </a:solidFill>
-                <a:latin typeface="Calibri" panose="020F0502020204030204" pitchFamily="34" charset="0"/>
-              </a:rPr>
-              <a:t>We are building </a:t>
-            </a:r>
-            <a:r>
-              <a:rPr lang="en-US" b="1" i="1" dirty="0">
-                <a:solidFill>
-                  <a:srgbClr val="000000"/>
-                </a:solidFill>
-                <a:latin typeface="Calibri" panose="020F0502020204030204" pitchFamily="34" charset="0"/>
-              </a:rPr>
-              <a:t>Carnage </a:t>
-            </a:r>
-            <a:r>
-              <a:rPr lang="en-US" i="1" dirty="0">
-                <a:solidFill>
-                  <a:srgbClr val="000000"/>
-                </a:solidFill>
-                <a:latin typeface="Calibri" panose="020F0502020204030204" pitchFamily="34" charset="0"/>
-              </a:rPr>
-              <a:t>for the Cybersecurity community. </a:t>
-            </a:r>
-            <a:r>
-              <a:rPr lang="en-US" b="1" i="1" dirty="0">
-                <a:solidFill>
-                  <a:srgbClr val="000000"/>
-                </a:solidFill>
-                <a:latin typeface="Calibri" panose="020F0502020204030204" pitchFamily="34" charset="0"/>
-              </a:rPr>
-              <a:t>Carnage </a:t>
-            </a:r>
-            <a:r>
-              <a:rPr lang="en-US" i="1" dirty="0">
-                <a:solidFill>
-                  <a:srgbClr val="000000"/>
-                </a:solidFill>
-                <a:latin typeface="Calibri" panose="020F0502020204030204" pitchFamily="34" charset="0"/>
-              </a:rPr>
-              <a:t>will be a Free and Open-Source software with a GPL License and will always remain to be so. We do not plan to make any revenue out of it. However, our project will be open to donations. We believe in Open-Source software is the Future and support the cause.</a:t>
-            </a:r>
-          </a:p>
-          <a:p>
-            <a:pPr marL="285750" indent="-285750" algn="just">
-              <a:lnSpc>
-                <a:spcPct val="115000"/>
-              </a:lnSpc>
-              <a:spcAft>
-                <a:spcPts val="800"/>
-              </a:spcAft>
-              <a:buFont typeface="Arial" panose="020B0604020202020204" pitchFamily="34" charset="0"/>
-              <a:buChar char="•"/>
-            </a:pPr>
-            <a:r>
-              <a:rPr lang="en-US" i="1" dirty="0">
-                <a:solidFill>
-                  <a:srgbClr val="000000"/>
-                </a:solidFill>
-                <a:latin typeface="Calibri" panose="020F0502020204030204" pitchFamily="34" charset="0"/>
-              </a:rPr>
-              <a:t>We have plans to make </a:t>
-            </a:r>
-            <a:r>
-              <a:rPr lang="en-US" b="1" i="1" dirty="0">
-                <a:solidFill>
-                  <a:srgbClr val="000000"/>
-                </a:solidFill>
-                <a:latin typeface="Calibri" panose="020F0502020204030204" pitchFamily="34" charset="0"/>
-              </a:rPr>
-              <a:t>Carnage</a:t>
-            </a:r>
-            <a:r>
-              <a:rPr lang="en-US" i="1" dirty="0">
-                <a:solidFill>
-                  <a:srgbClr val="000000"/>
-                </a:solidFill>
-                <a:latin typeface="Calibri" panose="020F0502020204030204" pitchFamily="34" charset="0"/>
-              </a:rPr>
-              <a:t> available for chat applications like WhatsApp and Telegram as well in near future which will allow a user to use all the features of </a:t>
-            </a:r>
-            <a:r>
-              <a:rPr lang="en-US" b="1" i="1" dirty="0">
-                <a:solidFill>
-                  <a:srgbClr val="000000"/>
-                </a:solidFill>
-                <a:latin typeface="Calibri" panose="020F0502020204030204" pitchFamily="34" charset="0"/>
-              </a:rPr>
-              <a:t>Carnage</a:t>
-            </a:r>
-            <a:r>
-              <a:rPr lang="en-US" i="1" dirty="0">
-                <a:solidFill>
-                  <a:srgbClr val="000000"/>
-                </a:solidFill>
-                <a:latin typeface="Calibri" panose="020F0502020204030204" pitchFamily="34" charset="0"/>
-              </a:rPr>
-              <a:t> in a mobile phone right from a chat application.</a:t>
-            </a:r>
-          </a:p>
-          <a:p>
-            <a:pPr marL="285750" indent="-285750" algn="just">
-              <a:lnSpc>
-                <a:spcPct val="115000"/>
-              </a:lnSpc>
-              <a:spcAft>
-                <a:spcPts val="800"/>
-              </a:spcAft>
-              <a:buFont typeface="Arial" panose="020B0604020202020204" pitchFamily="34" charset="0"/>
-              <a:buChar char="•"/>
-            </a:pPr>
-            <a:r>
-              <a:rPr lang="en-US" i="1" dirty="0">
-                <a:solidFill>
-                  <a:srgbClr val="000000"/>
-                </a:solidFill>
-                <a:latin typeface="Calibri" panose="020F0502020204030204" pitchFamily="34" charset="0"/>
-              </a:rPr>
-              <a:t>We will also be adding a small honeypot feature in </a:t>
-            </a:r>
-            <a:r>
-              <a:rPr lang="en-US" b="1" i="1" dirty="0">
-                <a:solidFill>
-                  <a:srgbClr val="000000"/>
-                </a:solidFill>
-                <a:latin typeface="Calibri" panose="020F0502020204030204" pitchFamily="34" charset="0"/>
-              </a:rPr>
-              <a:t>Carnage</a:t>
-            </a:r>
-            <a:r>
-              <a:rPr lang="en-US" i="1" dirty="0">
-                <a:solidFill>
-                  <a:srgbClr val="000000"/>
-                </a:solidFill>
-                <a:latin typeface="Calibri" panose="020F0502020204030204" pitchFamily="34" charset="0"/>
-              </a:rPr>
-              <a:t> which will be very useful for monitoring a server for incoming traffic which can be further used as an IDS system.</a:t>
-            </a:r>
-          </a:p>
-          <a:p>
-            <a:pPr marL="285750" indent="-285750" algn="just">
-              <a:lnSpc>
-                <a:spcPct val="115000"/>
-              </a:lnSpc>
-              <a:spcAft>
-                <a:spcPts val="800"/>
-              </a:spcAft>
-              <a:buFont typeface="Arial" panose="020B0604020202020204" pitchFamily="34" charset="0"/>
-              <a:buChar char="•"/>
-            </a:pPr>
-            <a:r>
-              <a:rPr lang="en-US" i="1" dirty="0">
-                <a:solidFill>
-                  <a:srgbClr val="000000"/>
-                </a:solidFill>
-                <a:latin typeface="Calibri" panose="020F0502020204030204" pitchFamily="34" charset="0"/>
-              </a:rPr>
-              <a:t>We will use multithreading to drastically improve the performance of the tool.</a:t>
-            </a:r>
-          </a:p>
-          <a:p>
-            <a:pPr marL="285750" indent="-285750" algn="just">
-              <a:lnSpc>
-                <a:spcPct val="115000"/>
-              </a:lnSpc>
-              <a:spcAft>
-                <a:spcPts val="800"/>
-              </a:spcAft>
-              <a:buFont typeface="Arial" panose="020B0604020202020204" pitchFamily="34" charset="0"/>
-              <a:buChar char="•"/>
-            </a:pPr>
-            <a:r>
-              <a:rPr lang="en-US" i="1" dirty="0">
-                <a:solidFill>
-                  <a:srgbClr val="000000"/>
-                </a:solidFill>
-                <a:latin typeface="Calibri" panose="020F0502020204030204" pitchFamily="34" charset="0"/>
-              </a:rPr>
-              <a:t>We also plan to add a web-based front-end for the application for users who are not comfortable with using the terminal.</a:t>
+            <a:pPr algn="ctr"/>
+            <a:r>
+              <a:rPr lang="en-IN" dirty="0"/>
+              <a:t>Using carnage to get details of Dark-Net CC markets/onion sites</a:t>
+            </a:r>
+          </a:p>
+        </p:txBody>
+      </p:sp>
+      <p:pic>
+        <p:nvPicPr>
+          <p:cNvPr id="15" name="Picture 14">
+            <a:extLst>
+              <a:ext uri="{FF2B5EF4-FFF2-40B4-BE49-F238E27FC236}">
+                <a16:creationId xmlns:a16="http://schemas.microsoft.com/office/drawing/2014/main" id="{2F71A4FF-0713-1E35-DD72-97FC686838A1}"/>
+              </a:ext>
+            </a:extLst>
+          </p:cNvPr>
+          <p:cNvPicPr>
+            <a:picLocks noChangeAspect="1"/>
+          </p:cNvPicPr>
+          <p:nvPr/>
+        </p:nvPicPr>
+        <p:blipFill>
+          <a:blip r:embed="rId6">
+            <a:extLst>
+              <a:ext uri="{28A0092B-C50C-407E-A947-70E740481C1C}">
+                <a14:useLocalDpi xmlns:a14="http://schemas.microsoft.com/office/drawing/2010/main" val="0"/>
+              </a:ext>
+            </a:extLst>
+          </a:blip>
+          <a:stretch>
+            <a:fillRect/>
+          </a:stretch>
+        </p:blipFill>
+        <p:spPr>
+          <a:xfrm>
+            <a:off x="2319025" y="6160230"/>
+            <a:ext cx="6343650" cy="3064213"/>
+          </a:xfrm>
+          <a:prstGeom prst="rect">
+            <a:avLst/>
+          </a:prstGeom>
+        </p:spPr>
+      </p:pic>
+      <p:sp>
+        <p:nvSpPr>
+          <p:cNvPr id="17" name="TextBox 16">
+            <a:extLst>
+              <a:ext uri="{FF2B5EF4-FFF2-40B4-BE49-F238E27FC236}">
+                <a16:creationId xmlns:a16="http://schemas.microsoft.com/office/drawing/2014/main" id="{D7437DA6-C724-917F-EEA2-841B4E4A917A}"/>
+              </a:ext>
+            </a:extLst>
+          </p:cNvPr>
+          <p:cNvSpPr txBox="1"/>
+          <p:nvPr/>
+        </p:nvSpPr>
+        <p:spPr>
+          <a:xfrm>
+            <a:off x="714570" y="9205744"/>
+            <a:ext cx="9552560" cy="369332"/>
+          </a:xfrm>
+          <a:prstGeom prst="rect">
+            <a:avLst/>
+          </a:prstGeom>
+          <a:noFill/>
+        </p:spPr>
+        <p:txBody>
+          <a:bodyPr wrap="square">
+            <a:spAutoFit/>
+          </a:bodyPr>
+          <a:lstStyle/>
+          <a:p>
+            <a:pPr algn="ctr"/>
+            <a:r>
+              <a:rPr lang="en-IN" dirty="0"/>
+              <a:t>Hacking the database of a server after the information gathering phase</a:t>
             </a:r>
           </a:p>
         </p:txBody>
@@ -5894,7 +5793,7 @@
     </p:spTree>
     <p:extLst>
       <p:ext uri="{BB962C8B-B14F-4D97-AF65-F5344CB8AC3E}">
-        <p14:creationId xmlns:p14="http://schemas.microsoft.com/office/powerpoint/2010/main" val="565308799"/>
+        <p14:creationId xmlns:p14="http://schemas.microsoft.com/office/powerpoint/2010/main" val="1209550082"/>
       </p:ext>
     </p:extLst>
   </p:cSld>
@@ -5933,8 +5832,8 @@
         </p:nvSpPr>
         <p:spPr>
           <a:xfrm>
-            <a:off x="2743200" y="1790700"/>
-            <a:ext cx="10437899" cy="2011448"/>
+            <a:off x="2727960" y="1866900"/>
+            <a:ext cx="10437899" cy="995785"/>
           </a:xfrm>
           <a:prstGeom prst="rect">
             <a:avLst/>
@@ -5947,7 +5846,7 @@
           <a:lstStyle/>
           <a:p>
             <a:r>
-              <a:rPr lang="en-IN" sz="6000" i="0" u="none" strike="noStrike" dirty="0">
+              <a:rPr lang="en-IN" sz="5400" i="0" u="none" strike="noStrike" dirty="0">
                 <a:solidFill>
                   <a:srgbClr val="E5645E"/>
                 </a:solidFill>
@@ -5955,7 +5854,7 @@
               </a:rPr>
               <a:t>Scalability of our solution</a:t>
             </a:r>
-            <a:endParaRPr lang="en-IN" sz="6000" dirty="0">
+            <a:endParaRPr lang="en-IN" sz="5400" dirty="0">
               <a:solidFill>
                 <a:srgbClr val="E5645E"/>
               </a:solidFill>
@@ -5975,7 +5874,7 @@
         <p:spPr>
           <a:xfrm>
             <a:off x="16916400" y="0"/>
-            <a:ext cx="1271758" cy="10097523"/>
+            <a:ext cx="1231106" cy="10097523"/>
           </a:xfrm>
           <a:prstGeom prst="rect">
             <a:avLst/>
@@ -5987,27 +5886,21 @@
           </a:bodyPr>
           <a:lstStyle/>
           <a:p>
-            <a:pPr marL="12700">
+            <a:pPr marL="12700" algn="ctr">
               <a:lnSpc>
                 <a:spcPts val="9610"/>
               </a:lnSpc>
             </a:pPr>
             <a:r>
-              <a:rPr lang="en-IN" sz="12000" dirty="0">
+              <a:rPr lang="en-IN" sz="10000" dirty="0">
                 <a:solidFill>
                   <a:srgbClr val="FFFFFF"/>
                 </a:solidFill>
                 <a:latin typeface="Segoe UI Black" panose="020B0A02040204020203" pitchFamily="34" charset="0"/>
                 <a:ea typeface="Segoe UI Black" panose="020B0A02040204020203" pitchFamily="34" charset="0"/>
-                <a:cs typeface="Verdana"/>
-              </a:rPr>
-              <a:t>DEVBHOOMI</a:t>
-            </a:r>
-            <a:endParaRPr sz="12000" dirty="0">
-              <a:latin typeface="Segoe UI Black" panose="020B0A02040204020203" pitchFamily="34" charset="0"/>
-              <a:ea typeface="Segoe UI Black" panose="020B0A02040204020203" pitchFamily="34" charset="0"/>
-              <a:cs typeface="Verdana"/>
-            </a:endParaRPr>
+              </a:rPr>
+              <a:t>HACKODISHA</a:t>
+            </a:r>
           </a:p>
         </p:txBody>
       </p:sp>
@@ -6025,8 +5918,8 @@
         </p:nvSpPr>
         <p:spPr>
           <a:xfrm>
-            <a:off x="2743200" y="3802148"/>
-            <a:ext cx="9542928" cy="5632311"/>
+            <a:off x="2727960" y="2862685"/>
+            <a:ext cx="9542928" cy="6370975"/>
           </a:xfrm>
           <a:prstGeom prst="rect">
             <a:avLst/>
@@ -6084,7 +5977,17 @@
             </a:pPr>
             <a:r>
               <a:rPr lang="en-IN" sz="2400" dirty="0"/>
-              <a:t>Being open-source in nature, it comes with absolute transparency and anybody can go through the code to find out how it’s built. (We would love for people to do that.)</a:t>
+              <a:t>Being open-source in nature, it comes with absolute transparency and anybody can go through the code to find out how it’s built. (We would love for people to do that </a:t>
+            </a:r>
+            <a:r>
+              <a:rPr lang="en-IN" sz="2400" dirty="0">
+                <a:sym typeface="Wingdings" panose="05000000000000000000" pitchFamily="2" charset="2"/>
+              </a:rPr>
+              <a:t></a:t>
+            </a:r>
+            <a:r>
+              <a:rPr lang="en-IN" sz="2400" dirty="0"/>
+              <a:t>)</a:t>
             </a:r>
           </a:p>
           <a:p>
@@ -6094,7 +5997,7 @@
             </a:pPr>
             <a:r>
               <a:rPr lang="en-IN" sz="2400" dirty="0"/>
-              <a:t>Being modular in nature, it can be also published as a python package/library and imported in your personal projects to make use of it like an Automation Framework/Engine</a:t>
+              <a:t>Being modular in nature, it can be also published as a python package/library and imported in your personal projects</a:t>
             </a:r>
           </a:p>
           <a:p>
@@ -6147,6 +6050,16 @@
             <a:r>
               <a:rPr lang="en-IN" sz="2400" dirty="0"/>
               <a:t> and telegram.</a:t>
+            </a:r>
+          </a:p>
+          <a:p>
+            <a:pPr marL="342900" indent="-342900">
+              <a:buFont typeface="Arial" panose="020B0604020202020204" pitchFamily="34" charset="0"/>
+              <a:buChar char="•"/>
+            </a:pPr>
+            <a:r>
+              <a:rPr lang="en-IN" sz="2400" dirty="0"/>
+              <a:t>Being dependency-independent, it can be used as a portable tool to map and pivot around a private network upon getting a foothold on the public-facing server / edge-device.</a:t>
             </a:r>
           </a:p>
         </p:txBody>
@@ -6165,6 +6078,572 @@
 </file>
 
 <file path=ppt/slides/slide8.xml><?xml version="1.0" encoding="utf-8"?>
+<p:sld xmlns:a="http://schemas.openxmlformats.org/drawingml/2006/main" xmlns:r="http://schemas.openxmlformats.org/officeDocument/2006/relationships" xmlns:p="http://schemas.openxmlformats.org/presentationml/2006/main">
+  <p:cSld>
+    <p:spTree>
+      <p:nvGrpSpPr>
+        <p:cNvPr id="1" name=""/>
+        <p:cNvGrpSpPr/>
+        <p:nvPr/>
+      </p:nvGrpSpPr>
+      <p:grpSpPr>
+        <a:xfrm>
+          <a:off x="0" y="0"/>
+          <a:ext cx="0" cy="0"/>
+          <a:chOff x="0" y="0"/>
+          <a:chExt cx="0" cy="0"/>
+        </a:xfrm>
+      </p:grpSpPr>
+      <p:sp>
+        <p:nvSpPr>
+          <p:cNvPr id="2" name="object 2"/>
+          <p:cNvSpPr txBox="1">
+            <a:spLocks noGrp="1"/>
+          </p:cNvSpPr>
+          <p:nvPr>
+            <p:ph type="title"/>
+          </p:nvPr>
+        </p:nvSpPr>
+        <p:spPr>
+          <a:xfrm>
+            <a:off x="2747682" y="1790700"/>
+            <a:ext cx="10437899" cy="1088118"/>
+          </a:xfrm>
+          <a:prstGeom prst="rect">
+            <a:avLst/>
+          </a:prstGeom>
+        </p:spPr>
+        <p:txBody>
+          <a:bodyPr vert="horz" wrap="square" lIns="0" tIns="163195" rIns="0" bIns="0" rtlCol="0">
+            <a:spAutoFit/>
+          </a:bodyPr>
+          <a:lstStyle/>
+          <a:p>
+            <a:r>
+              <a:rPr lang="en-IN" sz="6000" i="0" u="none" strike="noStrike" dirty="0">
+                <a:solidFill>
+                  <a:srgbClr val="E5645E"/>
+                </a:solidFill>
+                <a:effectLst/>
+              </a:rPr>
+              <a:t>Tech Stack :</a:t>
+            </a:r>
+            <a:endParaRPr lang="en-IN" sz="6000" dirty="0">
+              <a:solidFill>
+                <a:srgbClr val="E5645E"/>
+              </a:solidFill>
+              <a:effectLst/>
+              <a:latin typeface="Verdana" panose="020B0604030504040204" pitchFamily="34" charset="0"/>
+              <a:ea typeface="Verdana" panose="020B0604030504040204" pitchFamily="34" charset="0"/>
+            </a:endParaRPr>
+          </a:p>
+        </p:txBody>
+      </p:sp>
+      <p:sp>
+        <p:nvSpPr>
+          <p:cNvPr id="4" name="object 4"/>
+          <p:cNvSpPr txBox="1"/>
+          <p:nvPr/>
+        </p:nvSpPr>
+        <p:spPr>
+          <a:xfrm>
+            <a:off x="16916400" y="0"/>
+            <a:ext cx="1231106" cy="10097523"/>
+          </a:xfrm>
+          <a:prstGeom prst="rect">
+            <a:avLst/>
+          </a:prstGeom>
+        </p:spPr>
+        <p:txBody>
+          <a:bodyPr vert="vert270" wrap="square" lIns="0" tIns="0" rIns="0" bIns="0" rtlCol="0">
+            <a:spAutoFit/>
+          </a:bodyPr>
+          <a:lstStyle/>
+          <a:p>
+            <a:pPr marL="12700" algn="ctr">
+              <a:lnSpc>
+                <a:spcPts val="9610"/>
+              </a:lnSpc>
+            </a:pPr>
+            <a:r>
+              <a:rPr lang="en-IN" sz="10000" dirty="0">
+                <a:solidFill>
+                  <a:srgbClr val="FFFFFF"/>
+                </a:solidFill>
+                <a:latin typeface="Segoe UI Black" panose="020B0A02040204020203" pitchFamily="34" charset="0"/>
+                <a:ea typeface="Segoe UI Black" panose="020B0A02040204020203" pitchFamily="34" charset="0"/>
+                <a:cs typeface="Verdana"/>
+              </a:rPr>
+              <a:t>HACKODISHA</a:t>
+            </a:r>
+            <a:endParaRPr lang="en-IN" sz="10000" dirty="0">
+              <a:latin typeface="Segoe UI Black" panose="020B0A02040204020203" pitchFamily="34" charset="0"/>
+              <a:ea typeface="Segoe UI Black" panose="020B0A02040204020203" pitchFamily="34" charset="0"/>
+              <a:cs typeface="Verdana"/>
+            </a:endParaRPr>
+          </a:p>
+        </p:txBody>
+      </p:sp>
+      <p:sp>
+        <p:nvSpPr>
+          <p:cNvPr id="5" name="object 2">
+            <a:extLst>
+              <a:ext uri="{FF2B5EF4-FFF2-40B4-BE49-F238E27FC236}">
+                <a16:creationId xmlns:a16="http://schemas.microsoft.com/office/drawing/2014/main" id="{9DB042FF-EFAA-47C0-A714-F5ED7DC14568}"/>
+              </a:ext>
+            </a:extLst>
+          </p:cNvPr>
+          <p:cNvSpPr txBox="1">
+            <a:spLocks/>
+          </p:cNvSpPr>
+          <p:nvPr/>
+        </p:nvSpPr>
+        <p:spPr>
+          <a:xfrm>
+            <a:off x="2743200" y="4254736"/>
+            <a:ext cx="10437899" cy="1088118"/>
+          </a:xfrm>
+          <a:prstGeom prst="rect">
+            <a:avLst/>
+          </a:prstGeom>
+        </p:spPr>
+        <p:txBody>
+          <a:bodyPr vert="horz" wrap="square" lIns="0" tIns="163195" rIns="0" bIns="0" rtlCol="0">
+            <a:spAutoFit/>
+          </a:bodyPr>
+          <a:lstStyle>
+            <a:lvl1pPr>
+              <a:defRPr sz="9600" b="1" i="0">
+                <a:solidFill>
+                  <a:srgbClr val="E4645D"/>
+                </a:solidFill>
+                <a:latin typeface="Verdana"/>
+                <a:ea typeface="+mj-ea"/>
+                <a:cs typeface="Verdana"/>
+              </a:defRPr>
+            </a:lvl1pPr>
+          </a:lstStyle>
+          <a:p>
+            <a:r>
+              <a:rPr lang="en-US" sz="6000" i="0" u="none" strike="noStrike" dirty="0">
+                <a:solidFill>
+                  <a:srgbClr val="E5645E"/>
+                </a:solidFill>
+                <a:effectLst/>
+              </a:rPr>
+              <a:t>Future Scope :</a:t>
+            </a:r>
+            <a:endParaRPr lang="en-IN" sz="6000" kern="0" dirty="0">
+              <a:solidFill>
+                <a:srgbClr val="E5645E"/>
+              </a:solidFill>
+              <a:latin typeface="Verdana" panose="020B0604030504040204" pitchFamily="34" charset="0"/>
+              <a:ea typeface="Verdana" panose="020B0604030504040204" pitchFamily="34" charset="0"/>
+            </a:endParaRPr>
+          </a:p>
+        </p:txBody>
+      </p:sp>
+      <p:sp>
+        <p:nvSpPr>
+          <p:cNvPr id="6" name="TextBox 5">
+            <a:extLst>
+              <a:ext uri="{FF2B5EF4-FFF2-40B4-BE49-F238E27FC236}">
+                <a16:creationId xmlns:a16="http://schemas.microsoft.com/office/drawing/2014/main" id="{E0A9B4E8-CC5D-9B5C-0318-13E69FACF53A}"/>
+              </a:ext>
+            </a:extLst>
+          </p:cNvPr>
+          <p:cNvSpPr txBox="1"/>
+          <p:nvPr/>
+        </p:nvSpPr>
+        <p:spPr>
+          <a:xfrm>
+            <a:off x="2743200" y="2869310"/>
+            <a:ext cx="9542928" cy="369332"/>
+          </a:xfrm>
+          <a:prstGeom prst="rect">
+            <a:avLst/>
+          </a:prstGeom>
+          <a:noFill/>
+        </p:spPr>
+        <p:txBody>
+          <a:bodyPr wrap="square">
+            <a:spAutoFit/>
+          </a:bodyPr>
+          <a:lstStyle/>
+          <a:p>
+            <a:pPr marL="285750" indent="-285750">
+              <a:buFont typeface="Arial" panose="020B0604020202020204" pitchFamily="34" charset="0"/>
+              <a:buChar char="•"/>
+            </a:pPr>
+            <a:r>
+              <a:rPr lang="en-US" b="1" i="1" dirty="0">
+                <a:solidFill>
+                  <a:srgbClr val="000000"/>
+                </a:solidFill>
+                <a:latin typeface="Calibri" panose="020F0502020204030204" pitchFamily="34" charset="0"/>
+              </a:rPr>
+              <a:t>Python and some core python libraries.</a:t>
+            </a:r>
+            <a:endParaRPr lang="en-IN" b="1" dirty="0"/>
+          </a:p>
+        </p:txBody>
+      </p:sp>
+      <p:sp>
+        <p:nvSpPr>
+          <p:cNvPr id="8" name="TextBox 7">
+            <a:extLst>
+              <a:ext uri="{FF2B5EF4-FFF2-40B4-BE49-F238E27FC236}">
+                <a16:creationId xmlns:a16="http://schemas.microsoft.com/office/drawing/2014/main" id="{CE676133-4C8A-34C2-428F-EC6A5FB84A24}"/>
+              </a:ext>
+            </a:extLst>
+          </p:cNvPr>
+          <p:cNvSpPr txBox="1"/>
+          <p:nvPr/>
+        </p:nvSpPr>
+        <p:spPr>
+          <a:xfrm>
+            <a:off x="2971800" y="3238642"/>
+            <a:ext cx="11353800" cy="1200329"/>
+          </a:xfrm>
+          <a:prstGeom prst="rect">
+            <a:avLst/>
+          </a:prstGeom>
+          <a:noFill/>
+        </p:spPr>
+        <p:txBody>
+          <a:bodyPr wrap="square">
+            <a:spAutoFit/>
+          </a:bodyPr>
+          <a:lstStyle/>
+          <a:p>
+            <a:r>
+              <a:rPr lang="en-US" sz="1800" i="1" dirty="0">
+                <a:solidFill>
+                  <a:srgbClr val="000000"/>
+                </a:solidFill>
+                <a:effectLst/>
+                <a:latin typeface="Calibri" panose="020F0502020204030204" pitchFamily="34" charset="0"/>
+                <a:ea typeface="Calibri" panose="020F0502020204030204" pitchFamily="34" charset="0"/>
+              </a:rPr>
+              <a:t>Yup, right. There’s nothing more in the Technology Stack.</a:t>
+            </a:r>
+          </a:p>
+          <a:p>
+            <a:r>
+              <a:rPr lang="en-US" b="1" i="1" dirty="0">
+                <a:solidFill>
+                  <a:srgbClr val="000000"/>
+                </a:solidFill>
+                <a:latin typeface="Calibri" panose="020F0502020204030204" pitchFamily="34" charset="0"/>
+              </a:rPr>
+              <a:t>Carnage </a:t>
+            </a:r>
+            <a:r>
+              <a:rPr lang="en-US" i="1" dirty="0">
+                <a:solidFill>
+                  <a:srgbClr val="000000"/>
+                </a:solidFill>
+                <a:latin typeface="Calibri" panose="020F0502020204030204" pitchFamily="34" charset="0"/>
+              </a:rPr>
+              <a:t>will be built entirely just using </a:t>
+            </a:r>
+            <a:r>
+              <a:rPr lang="en-US" b="1" i="1" dirty="0">
+                <a:solidFill>
+                  <a:srgbClr val="000000"/>
+                </a:solidFill>
+                <a:latin typeface="Calibri" panose="020F0502020204030204" pitchFamily="34" charset="0"/>
+              </a:rPr>
+              <a:t>Python.</a:t>
+            </a:r>
+            <a:endParaRPr lang="en-US" i="1" dirty="0">
+              <a:solidFill>
+                <a:srgbClr val="000000"/>
+              </a:solidFill>
+              <a:latin typeface="Calibri" panose="020F0502020204030204" pitchFamily="34" charset="0"/>
+            </a:endParaRPr>
+          </a:p>
+          <a:p>
+            <a:r>
+              <a:rPr lang="en-US" i="1" dirty="0">
+                <a:solidFill>
+                  <a:srgbClr val="000000"/>
+                </a:solidFill>
+                <a:latin typeface="Calibri" panose="020F0502020204030204" pitchFamily="34" charset="0"/>
+              </a:rPr>
+              <a:t>It will be an Independent bare-metal tool and would not depend upon any other third-party tools or frameworks.</a:t>
+            </a:r>
+          </a:p>
+          <a:p>
+            <a:r>
+              <a:rPr lang="en-US" i="1" dirty="0">
+                <a:solidFill>
+                  <a:srgbClr val="000000"/>
+                </a:solidFill>
+                <a:latin typeface="Calibri" panose="020F0502020204030204" pitchFamily="34" charset="0"/>
+              </a:rPr>
+              <a:t>All the features that </a:t>
+            </a:r>
+            <a:r>
+              <a:rPr lang="en-US" b="1" i="1" dirty="0">
+                <a:solidFill>
+                  <a:srgbClr val="000000"/>
+                </a:solidFill>
+                <a:latin typeface="Calibri" panose="020F0502020204030204" pitchFamily="34" charset="0"/>
+              </a:rPr>
+              <a:t>Carnage </a:t>
+            </a:r>
+            <a:r>
+              <a:rPr lang="en-US" i="1" dirty="0">
+                <a:solidFill>
+                  <a:srgbClr val="000000"/>
+                </a:solidFill>
+                <a:latin typeface="Calibri" panose="020F0502020204030204" pitchFamily="34" charset="0"/>
+              </a:rPr>
+              <a:t>will contain will be hard-coded and written from scratch only using Python.</a:t>
+            </a:r>
+            <a:endParaRPr lang="en-IN" dirty="0"/>
+          </a:p>
+        </p:txBody>
+      </p:sp>
+      <p:sp>
+        <p:nvSpPr>
+          <p:cNvPr id="10" name="TextBox 9">
+            <a:extLst>
+              <a:ext uri="{FF2B5EF4-FFF2-40B4-BE49-F238E27FC236}">
+                <a16:creationId xmlns:a16="http://schemas.microsoft.com/office/drawing/2014/main" id="{4A684612-6175-F914-3FB7-AE609FC5419F}"/>
+              </a:ext>
+            </a:extLst>
+          </p:cNvPr>
+          <p:cNvSpPr txBox="1"/>
+          <p:nvPr/>
+        </p:nvSpPr>
+        <p:spPr>
+          <a:xfrm>
+            <a:off x="2738718" y="5295900"/>
+            <a:ext cx="9542928" cy="4306564"/>
+          </a:xfrm>
+          <a:prstGeom prst="rect">
+            <a:avLst/>
+          </a:prstGeom>
+          <a:noFill/>
+        </p:spPr>
+        <p:txBody>
+          <a:bodyPr wrap="square">
+            <a:spAutoFit/>
+          </a:bodyPr>
+          <a:lstStyle/>
+          <a:p>
+            <a:pPr marL="285750" indent="-285750" algn="just">
+              <a:lnSpc>
+                <a:spcPct val="115000"/>
+              </a:lnSpc>
+              <a:spcAft>
+                <a:spcPts val="800"/>
+              </a:spcAft>
+              <a:buFont typeface="Arial" panose="020B0604020202020204" pitchFamily="34" charset="0"/>
+              <a:buChar char="•"/>
+            </a:pPr>
+            <a:r>
+              <a:rPr lang="en-US" i="1" dirty="0">
+                <a:solidFill>
+                  <a:srgbClr val="000000"/>
+                </a:solidFill>
+                <a:latin typeface="Calibri" panose="020F0502020204030204" pitchFamily="34" charset="0"/>
+              </a:rPr>
+              <a:t>We are building </a:t>
+            </a:r>
+            <a:r>
+              <a:rPr lang="en-US" b="1" i="1" dirty="0">
+                <a:solidFill>
+                  <a:srgbClr val="000000"/>
+                </a:solidFill>
+                <a:latin typeface="Calibri" panose="020F0502020204030204" pitchFamily="34" charset="0"/>
+              </a:rPr>
+              <a:t>Carnage </a:t>
+            </a:r>
+            <a:r>
+              <a:rPr lang="en-US" i="1" dirty="0">
+                <a:solidFill>
+                  <a:srgbClr val="000000"/>
+                </a:solidFill>
+                <a:latin typeface="Calibri" panose="020F0502020204030204" pitchFamily="34" charset="0"/>
+              </a:rPr>
+              <a:t>for the Cybersecurity community. </a:t>
+            </a:r>
+            <a:r>
+              <a:rPr lang="en-US" b="1" i="1" dirty="0">
+                <a:solidFill>
+                  <a:srgbClr val="000000"/>
+                </a:solidFill>
+                <a:latin typeface="Calibri" panose="020F0502020204030204" pitchFamily="34" charset="0"/>
+              </a:rPr>
+              <a:t>Carnage </a:t>
+            </a:r>
+            <a:r>
+              <a:rPr lang="en-US" i="1" dirty="0">
+                <a:solidFill>
+                  <a:srgbClr val="000000"/>
+                </a:solidFill>
+                <a:latin typeface="Calibri" panose="020F0502020204030204" pitchFamily="34" charset="0"/>
+              </a:rPr>
+              <a:t>will be a Free and Open-Source software with a GPL License and will always remain to be so. We do not plan to make any revenue out of it. However, our project will be open to donations. We believe in Open-Source software is the Future and support the cause.</a:t>
+            </a:r>
+          </a:p>
+          <a:p>
+            <a:pPr marL="285750" indent="-285750" algn="just">
+              <a:lnSpc>
+                <a:spcPct val="115000"/>
+              </a:lnSpc>
+              <a:spcAft>
+                <a:spcPts val="800"/>
+              </a:spcAft>
+              <a:buFont typeface="Arial" panose="020B0604020202020204" pitchFamily="34" charset="0"/>
+              <a:buChar char="•"/>
+            </a:pPr>
+            <a:r>
+              <a:rPr lang="en-US" i="1" dirty="0">
+                <a:solidFill>
+                  <a:srgbClr val="000000"/>
+                </a:solidFill>
+                <a:latin typeface="Calibri" panose="020F0502020204030204" pitchFamily="34" charset="0"/>
+              </a:rPr>
+              <a:t>We have plans to make </a:t>
+            </a:r>
+            <a:r>
+              <a:rPr lang="en-US" b="1" i="1" dirty="0">
+                <a:solidFill>
+                  <a:srgbClr val="000000"/>
+                </a:solidFill>
+                <a:latin typeface="Calibri" panose="020F0502020204030204" pitchFamily="34" charset="0"/>
+              </a:rPr>
+              <a:t>Carnage</a:t>
+            </a:r>
+            <a:r>
+              <a:rPr lang="en-US" i="1" dirty="0">
+                <a:solidFill>
+                  <a:srgbClr val="000000"/>
+                </a:solidFill>
+                <a:latin typeface="Calibri" panose="020F0502020204030204" pitchFamily="34" charset="0"/>
+              </a:rPr>
+              <a:t> available for chat applications like WhatsApp and Telegram as well in near future which will allow a user to use all the features of </a:t>
+            </a:r>
+            <a:r>
+              <a:rPr lang="en-US" b="1" i="1" dirty="0">
+                <a:solidFill>
+                  <a:srgbClr val="000000"/>
+                </a:solidFill>
+                <a:latin typeface="Calibri" panose="020F0502020204030204" pitchFamily="34" charset="0"/>
+              </a:rPr>
+              <a:t>Carnage</a:t>
+            </a:r>
+            <a:r>
+              <a:rPr lang="en-US" i="1" dirty="0">
+                <a:solidFill>
+                  <a:srgbClr val="000000"/>
+                </a:solidFill>
+                <a:latin typeface="Calibri" panose="020F0502020204030204" pitchFamily="34" charset="0"/>
+              </a:rPr>
+              <a:t> in a mobile phone right from a chat application.</a:t>
+            </a:r>
+          </a:p>
+          <a:p>
+            <a:pPr marL="285750" indent="-285750" algn="just">
+              <a:lnSpc>
+                <a:spcPct val="115000"/>
+              </a:lnSpc>
+              <a:spcAft>
+                <a:spcPts val="800"/>
+              </a:spcAft>
+              <a:buFont typeface="Arial" panose="020B0604020202020204" pitchFamily="34" charset="0"/>
+              <a:buChar char="•"/>
+            </a:pPr>
+            <a:r>
+              <a:rPr lang="en-US" i="1" dirty="0">
+                <a:solidFill>
+                  <a:srgbClr val="000000"/>
+                </a:solidFill>
+                <a:latin typeface="Calibri" panose="020F0502020204030204" pitchFamily="34" charset="0"/>
+              </a:rPr>
+              <a:t>We will also be adding a small honeypot feature in </a:t>
+            </a:r>
+            <a:r>
+              <a:rPr lang="en-US" b="1" i="1" dirty="0">
+                <a:solidFill>
+                  <a:srgbClr val="000000"/>
+                </a:solidFill>
+                <a:latin typeface="Calibri" panose="020F0502020204030204" pitchFamily="34" charset="0"/>
+              </a:rPr>
+              <a:t>Carnage</a:t>
+            </a:r>
+            <a:r>
+              <a:rPr lang="en-US" i="1" dirty="0">
+                <a:solidFill>
+                  <a:srgbClr val="000000"/>
+                </a:solidFill>
+                <a:latin typeface="Calibri" panose="020F0502020204030204" pitchFamily="34" charset="0"/>
+              </a:rPr>
+              <a:t> which will be very useful for monitoring a server for incoming traffic which can be further used as an IDS system.</a:t>
+            </a:r>
+          </a:p>
+          <a:p>
+            <a:pPr marL="285750" indent="-285750" algn="just">
+              <a:lnSpc>
+                <a:spcPct val="115000"/>
+              </a:lnSpc>
+              <a:spcAft>
+                <a:spcPts val="800"/>
+              </a:spcAft>
+              <a:buFont typeface="Arial" panose="020B0604020202020204" pitchFamily="34" charset="0"/>
+              <a:buChar char="•"/>
+            </a:pPr>
+            <a:r>
+              <a:rPr lang="en-US" i="1" dirty="0">
+                <a:solidFill>
+                  <a:srgbClr val="000000"/>
+                </a:solidFill>
+                <a:latin typeface="Calibri" panose="020F0502020204030204" pitchFamily="34" charset="0"/>
+              </a:rPr>
+              <a:t>We will use multithreading to drastically improve the performance of the tool.</a:t>
+            </a:r>
+          </a:p>
+          <a:p>
+            <a:pPr marL="285750" indent="-285750" algn="just">
+              <a:lnSpc>
+                <a:spcPct val="115000"/>
+              </a:lnSpc>
+              <a:spcAft>
+                <a:spcPts val="800"/>
+              </a:spcAft>
+              <a:buFont typeface="Arial" panose="020B0604020202020204" pitchFamily="34" charset="0"/>
+              <a:buChar char="•"/>
+            </a:pPr>
+            <a:r>
+              <a:rPr lang="en-US" i="1" dirty="0">
+                <a:solidFill>
+                  <a:srgbClr val="000000"/>
+                </a:solidFill>
+                <a:latin typeface="Calibri" panose="020F0502020204030204" pitchFamily="34" charset="0"/>
+              </a:rPr>
+              <a:t>We also plan to add a web-based front-end for the application for users who are not comfortable with using the terminal.</a:t>
+            </a:r>
+          </a:p>
+        </p:txBody>
+      </p:sp>
+    </p:spTree>
+    <p:extLst>
+      <p:ext uri="{BB962C8B-B14F-4D97-AF65-F5344CB8AC3E}">
+        <p14:creationId xmlns:p14="http://schemas.microsoft.com/office/powerpoint/2010/main" val="565308799"/>
+      </p:ext>
+    </p:extLst>
+  </p:cSld>
+  <p:clrMapOvr>
+    <a:masterClrMapping/>
+  </p:clrMapOvr>
+</p:sld>
+</file>
+
+<file path=ppt/slides/slide9.xml><?xml version="1.0" encoding="utf-8"?>
 <p:sld xmlns:a="http://schemas.openxmlformats.org/drawingml/2006/main" xmlns:r="http://schemas.openxmlformats.org/officeDocument/2006/relationships" xmlns:p="http://schemas.openxmlformats.org/presentationml/2006/main" showMasterSp="0">
   <p:cSld>
     <p:bg>
@@ -6201,8 +6680,8 @@
         </p:nvSpPr>
         <p:spPr>
           <a:xfrm>
-            <a:off x="1905000" y="1638300"/>
-            <a:ext cx="12877800" cy="1088118"/>
+            <a:off x="1752600" y="495300"/>
+            <a:ext cx="12877800" cy="3858107"/>
           </a:xfrm>
           <a:prstGeom prst="rect">
             <a:avLst/>
@@ -6224,7 +6703,48 @@
               </a:rPr>
               <a:t>Thank You for your Time</a:t>
             </a:r>
-            <a:endParaRPr lang="en-IN" sz="6000" dirty="0">
+            <a:br>
+              <a:rPr lang="en-IN" sz="6000" i="0" u="none" strike="noStrike" dirty="0">
+                <a:solidFill>
+                  <a:srgbClr val="FF0000"/>
+                </a:solidFill>
+                <a:effectLst/>
+              </a:rPr>
+            </a:br>
+            <a:br>
+              <a:rPr lang="en-IN" sz="6000" i="0" u="none" strike="noStrike" dirty="0">
+                <a:solidFill>
+                  <a:srgbClr val="FF0000"/>
+                </a:solidFill>
+                <a:effectLst/>
+              </a:rPr>
+            </a:br>
+            <a:r>
+              <a:rPr lang="en-IN" sz="6000" i="0" u="none" strike="noStrike" dirty="0">
+                <a:solidFill>
+                  <a:srgbClr val="FF0000"/>
+                </a:solidFill>
+                <a:effectLst/>
+              </a:rPr>
+              <a:t>Please visit: </a:t>
+            </a:r>
+            <a:r>
+              <a:rPr lang="en-IN" sz="6000" i="1" strike="noStrike" dirty="0">
+                <a:solidFill>
+                  <a:srgbClr val="FF0000"/>
+                </a:solidFill>
+                <a:effectLst/>
+                <a:hlinkClick r:id="rId2">
+                  <a:extLst>
+                    <a:ext uri="{A12FA001-AC4F-418D-AE19-62706E023703}">
+                      <ahyp:hlinkClr xmlns:ahyp="http://schemas.microsoft.com/office/drawing/2018/hyperlinkcolor" val="tx"/>
+                    </a:ext>
+                  </a:extLst>
+                </a:hlinkClick>
+              </a:rPr>
+              <a:t>carnage.7ragnarok7.tech</a:t>
+            </a:r>
+            <a:endParaRPr lang="en-IN" sz="6000" i="1" dirty="0">
               <a:solidFill>
                 <a:srgbClr val="FF0000"/>
               </a:solidFill>
@@ -6244,7 +6764,7 @@
         <p:spPr>
           <a:xfrm>
             <a:off x="16916400" y="0"/>
-            <a:ext cx="1271758" cy="10097523"/>
+            <a:ext cx="1231106" cy="10097523"/>
           </a:xfrm>
           <a:prstGeom prst="rect">
             <a:avLst/>
@@ -6256,30 +6776,21 @@
           </a:bodyPr>
           <a:lstStyle/>
           <a:p>
-            <a:pPr marL="12700">
+            <a:pPr marL="12700" algn="ctr">
               <a:lnSpc>
                 <a:spcPts val="9610"/>
               </a:lnSpc>
             </a:pPr>
             <a:r>
-              <a:rPr lang="en-IN" sz="12000" dirty="0">
+              <a:rPr lang="en-IN" sz="10000" dirty="0">
                 <a:solidFill>
                   <a:srgbClr val="FF0000"/>
                 </a:solidFill>
                 <a:latin typeface="Segoe UI Black" panose="020B0A02040204020203" pitchFamily="34" charset="0"/>
                 <a:ea typeface="Segoe UI Black" panose="020B0A02040204020203" pitchFamily="34" charset="0"/>
-                <a:cs typeface="Verdana"/>
-              </a:rPr>
-              <a:t>DEVBHOOMI</a:t>
-            </a:r>
-            <a:endParaRPr sz="12000" dirty="0">
-              <a:solidFill>
-                <a:srgbClr val="FF0000"/>
-              </a:solidFill>
-              <a:latin typeface="Segoe UI Black" panose="020B0A02040204020203" pitchFamily="34" charset="0"/>
-              <a:ea typeface="Segoe UI Black" panose="020B0A02040204020203" pitchFamily="34" charset="0"/>
-              <a:cs typeface="Verdana"/>
-            </a:endParaRPr>
+              </a:rPr>
+              <a:t>HACKODISHA</a:t>
+            </a:r>
           </a:p>
         </p:txBody>
       </p:sp>
@@ -6298,13 +6809,19 @@
           <p:nvPr/>
         </p:nvPicPr>
         <p:blipFill>
-          <a:blip r:embed="rId2">
+          <a:blip r:embed="rId3">
             <a:extLst>
               <a:ext uri="{BEBA8EAE-BF5A-486C-A8C5-ECC9F3942E4B}">
                 <a14:imgProps xmlns:a14="http://schemas.microsoft.com/office/drawing/2010/main">
-                  <a14:imgLayer r:embed="rId3">
+                  <a14:imgLayer r:embed="rId4">
                     <a14:imgEffect>
-                      <a14:brightnessContrast bright="40000" contrast="40000"/>
+                      <a14:sharpenSoften amount="25000"/>
+                    </a14:imgEffect>
+                    <a14:imgEffect>
+                      <a14:saturation sat="400000"/>
+                    </a14:imgEffect>
+                    <a14:imgEffect>
+                      <a14:brightnessContrast contrast="40000"/>
                     </a14:imgEffect>
                   </a14:imgLayer>
                 </a14:imgProps>
@@ -6317,12 +6834,15 @@
         </p:blipFill>
         <p:spPr>
           <a:xfrm>
-            <a:off x="2706545" y="5660328"/>
+            <a:off x="2705733" y="6769237"/>
             <a:ext cx="10665107" cy="2147964"/>
           </a:xfrm>
           <a:prstGeom prst="rect">
             <a:avLst/>
           </a:prstGeom>
+          <a:effectLst>
+            <a:softEdge rad="317500"/>
+          </a:effectLst>
         </p:spPr>
       </p:pic>
       <p:sp>
@@ -6341,7 +6861,7 @@
         </p:nvSpPr>
         <p:spPr>
           <a:xfrm>
-            <a:off x="1568245" y="4044321"/>
+            <a:off x="1599386" y="5350423"/>
             <a:ext cx="12877800" cy="1088118"/>
           </a:xfrm>
           <a:prstGeom prst="rect">
@@ -6365,12 +6885,34 @@
             </a:lvl1pPr>
           </a:lstStyle>
           <a:p>
-            <a:pPr algn="ctr"/>
-            <a:r>
-              <a:rPr lang="en-IN" sz="6000" kern="0" dirty="0">
+            <a:pPr marL="0" marR="0" lvl="0" indent="0" algn="ctr" defTabSz="914400" rtl="0" eaLnBrk="1" fontAlgn="auto" latinLnBrk="0" hangingPunct="1">
+              <a:lnSpc>
+                <a:spcPct val="100000"/>
+              </a:lnSpc>
+              <a:spcBef>
+                <a:spcPts val="0"/>
+              </a:spcBef>
+              <a:spcAft>
+                <a:spcPts val="0"/>
+              </a:spcAft>
+              <a:buClrTx/>
+              <a:buSzTx/>
+              <a:buFontTx/>
+              <a:buNone/>
+              <a:tabLst/>
+              <a:defRPr/>
+            </a:pPr>
+            <a:r>
+              <a:rPr kumimoji="0" lang="en-IN" sz="6000" b="1" i="0" u="none" strike="noStrike" kern="0" cap="none" spc="0" normalizeH="0" baseline="0" noProof="0" dirty="0">
+                <a:ln>
+                  <a:noFill/>
+                </a:ln>
                 <a:solidFill>
                   <a:srgbClr val="FF0000"/>
                 </a:solidFill>
+                <a:effectLst/>
+                <a:uLnTx/>
+                <a:uFillTx/>
                 <a:latin typeface="Verdana" panose="020B0604030504040204" pitchFamily="34" charset="0"/>
                 <a:ea typeface="Verdana" panose="020B0604030504040204" pitchFamily="34" charset="0"/>
               </a:rPr>
@@ -6395,7 +6937,7 @@
         </p:nvSpPr>
         <p:spPr>
           <a:xfrm>
-            <a:off x="1600199" y="8028441"/>
+            <a:off x="1599387" y="8917201"/>
             <a:ext cx="12877800" cy="1088118"/>
           </a:xfrm>
           <a:prstGeom prst="rect">
@@ -6419,19 +6961,49 @@
             </a:lvl1pPr>
           </a:lstStyle>
           <a:p>
-            <a:pPr algn="ctr"/>
-            <a:r>
-              <a:rPr lang="en-IN" sz="6000" kern="0" dirty="0">
+            <a:pPr marL="0" marR="0" lvl="0" indent="0" algn="ctr" defTabSz="914400" rtl="0" eaLnBrk="1" fontAlgn="auto" latinLnBrk="0" hangingPunct="1">
+              <a:lnSpc>
+                <a:spcPct val="100000"/>
+              </a:lnSpc>
+              <a:spcBef>
+                <a:spcPts val="0"/>
+              </a:spcBef>
+              <a:spcAft>
+                <a:spcPts val="0"/>
+              </a:spcAft>
+              <a:buClrTx/>
+              <a:buSzTx/>
+              <a:buFontTx/>
+              <a:buNone/>
+              <a:tabLst/>
+              <a:defRPr/>
+            </a:pPr>
+            <a:r>
+              <a:rPr kumimoji="0" lang="en-IN" sz="6000" b="1" i="0" u="none" strike="noStrike" kern="0" cap="none" spc="0" normalizeH="0" baseline="0" noProof="0" dirty="0">
+                <a:ln>
+                  <a:noFill/>
+                </a:ln>
                 <a:solidFill>
                   <a:srgbClr val="FF0000"/>
                 </a:solidFill>
+                <a:effectLst/>
+                <a:uLnTx/>
+                <a:uFillTx/>
+                <a:latin typeface="Verdana"/>
+                <a:ea typeface="+mj-ea"/>
               </a:rPr>
               <a:t>!!!!!!!</a:t>
             </a:r>
-            <a:endParaRPr lang="en-IN" sz="6000" kern="0" dirty="0">
+            <a:endParaRPr kumimoji="0" lang="en-IN" sz="6000" b="1" i="0" u="none" strike="noStrike" kern="0" cap="none" spc="0" normalizeH="0" baseline="0" noProof="0" dirty="0">
+              <a:ln>
+                <a:noFill/>
+              </a:ln>
               <a:solidFill>
                 <a:srgbClr val="FF0000"/>
               </a:solidFill>
+              <a:effectLst/>
+              <a:uLnTx/>
+              <a:uFillTx/>
               <a:latin typeface="Verdana" panose="020B0604030504040204" pitchFamily="34" charset="0"/>
               <a:ea typeface="Verdana" panose="020B0604030504040204" pitchFamily="34" charset="0"/>
             </a:endParaRPr>
@@ -6441,7 +7013,7 @@
     </p:spTree>
     <p:extLst>
       <p:ext uri="{BB962C8B-B14F-4D97-AF65-F5344CB8AC3E}">
-        <p14:creationId xmlns:p14="http://schemas.microsoft.com/office/powerpoint/2010/main" val="2424543331"/>
+        <p14:creationId xmlns:p14="http://schemas.microsoft.com/office/powerpoint/2010/main" val="792903701"/>
       </p:ext>
     </p:extLst>
   </p:cSld>
